--- a/Slides/UPAI2019_15.pptx
+++ b/Slides/UPAI2019_15.pptx
@@ -5,7 +5,7 @@
     <p:sldMasterId id="2147483657" r:id="rId1"/>
   </p:sldMasterIdLst>
   <p:notesMasterIdLst>
-    <p:notesMasterId r:id="rId22"/>
+    <p:notesMasterId r:id="rId36"/>
   </p:notesMasterIdLst>
   <p:sldIdLst>
     <p:sldId id="256" r:id="rId2"/>
@@ -27,38 +27,52 @@
     <p:sldId id="567" r:id="rId18"/>
     <p:sldId id="573" r:id="rId19"/>
     <p:sldId id="575" r:id="rId20"/>
-    <p:sldId id="576" r:id="rId21"/>
+    <p:sldId id="586" r:id="rId21"/>
+    <p:sldId id="587" r:id="rId22"/>
+    <p:sldId id="588" r:id="rId23"/>
+    <p:sldId id="589" r:id="rId24"/>
+    <p:sldId id="590" r:id="rId25"/>
+    <p:sldId id="591" r:id="rId26"/>
+    <p:sldId id="592" r:id="rId27"/>
+    <p:sldId id="593" r:id="rId28"/>
+    <p:sldId id="595" r:id="rId29"/>
+    <p:sldId id="596" r:id="rId30"/>
+    <p:sldId id="598" r:id="rId31"/>
+    <p:sldId id="600" r:id="rId32"/>
+    <p:sldId id="597" r:id="rId33"/>
+    <p:sldId id="601" r:id="rId34"/>
+    <p:sldId id="602" r:id="rId35"/>
   </p:sldIdLst>
   <p:sldSz cx="9144000" cy="5143500" type="screen16x9"/>
   <p:notesSz cx="6858000" cy="9144000"/>
   <p:embeddedFontLst>
     <p:embeddedFont>
       <p:font typeface="Roboto Condensed" panose="020B0604020202020204" charset="0"/>
-      <p:regular r:id="rId23"/>
-      <p:bold r:id="rId24"/>
-      <p:italic r:id="rId25"/>
-      <p:boldItalic r:id="rId26"/>
+      <p:regular r:id="rId37"/>
+      <p:bold r:id="rId38"/>
+      <p:italic r:id="rId39"/>
+      <p:boldItalic r:id="rId40"/>
     </p:embeddedFont>
     <p:embeddedFont>
       <p:font typeface="Roboto Condensed Light" panose="020B0604020202020204" charset="0"/>
-      <p:regular r:id="rId27"/>
-      <p:bold r:id="rId28"/>
-      <p:italic r:id="rId29"/>
-      <p:boldItalic r:id="rId30"/>
+      <p:regular r:id="rId41"/>
+      <p:bold r:id="rId42"/>
+      <p:italic r:id="rId43"/>
+      <p:boldItalic r:id="rId44"/>
     </p:embeddedFont>
     <p:embeddedFont>
       <p:font typeface="Calibri" panose="020F0502020204030204" pitchFamily="34" charset="0"/>
-      <p:regular r:id="rId31"/>
-      <p:bold r:id="rId32"/>
-      <p:italic r:id="rId33"/>
-      <p:boldItalic r:id="rId34"/>
+      <p:regular r:id="rId45"/>
+      <p:bold r:id="rId46"/>
+      <p:italic r:id="rId47"/>
+      <p:boldItalic r:id="rId48"/>
     </p:embeddedFont>
     <p:embeddedFont>
       <p:font typeface="Arvo" panose="020B0604020202020204" charset="0"/>
-      <p:regular r:id="rId35"/>
-      <p:bold r:id="rId36"/>
-      <p:italic r:id="rId37"/>
-      <p:boldItalic r:id="rId38"/>
+      <p:regular r:id="rId49"/>
+      <p:bold r:id="rId50"/>
+      <p:italic r:id="rId51"/>
+      <p:boldItalic r:id="rId52"/>
     </p:embeddedFont>
   </p:embeddedFontLst>
   <p:defaultTextStyle>
@@ -7200,7 +7214,611 @@
           <a:p>
             <a:r>
               <a:rPr lang="es-MX" dirty="0" smtClean="0"/>
-              <a:t>Limitaciones</a:t>
+              <a:t>Gradiente Descendente</a:t>
+            </a:r>
+            <a:endParaRPr lang="es-MX" dirty="0"/>
+          </a:p>
+        </p:txBody>
+      </p:sp>
+      <p:sp>
+        <p:nvSpPr>
+          <p:cNvPr id="4" name="Marcador de número de diapositiva 3"/>
+          <p:cNvSpPr>
+            <a:spLocks noGrp="1"/>
+          </p:cNvSpPr>
+          <p:nvPr>
+            <p:ph type="sldNum" idx="12"/>
+          </p:nvPr>
+        </p:nvSpPr>
+        <p:spPr/>
+        <p:txBody>
+          <a:bodyPr/>
+          <a:lstStyle/>
+          <a:p>
+            <a:pPr marL="0" lvl="0" indent="0">
+              <a:spcBef>
+                <a:spcPts val="0"/>
+              </a:spcBef>
+              <a:spcAft>
+                <a:spcPts val="0"/>
+              </a:spcAft>
+              <a:buNone/>
+            </a:pPr>
+            <a:fld id="{00000000-1234-1234-1234-123412341234}" type="slidenum">
+              <a:rPr lang="es-MX" smtClean="0"/>
+              <a:t>20</a:t>
+            </a:fld>
+            <a:endParaRPr lang="es-MX"/>
+          </a:p>
+        </p:txBody>
+      </p:sp>
+      <p:pic>
+        <p:nvPicPr>
+          <p:cNvPr id="5" name="Picture 5"/>
+          <p:cNvPicPr>
+            <a:picLocks noChangeAspect="1"/>
+          </p:cNvPicPr>
+          <p:nvPr/>
+        </p:nvPicPr>
+        <p:blipFill>
+          <a:blip r:embed="rId2"/>
+          <a:stretch>
+            <a:fillRect/>
+          </a:stretch>
+        </p:blipFill>
+        <p:spPr>
+          <a:xfrm>
+            <a:off x="1064565" y="3131580"/>
+            <a:ext cx="7023488" cy="849380"/>
+          </a:xfrm>
+          <a:prstGeom prst="rect">
+            <a:avLst/>
+          </a:prstGeom>
+        </p:spPr>
+      </p:pic>
+      <p:pic>
+        <p:nvPicPr>
+          <p:cNvPr id="6" name="Picture 5"/>
+          <p:cNvPicPr>
+            <a:picLocks noChangeAspect="1"/>
+          </p:cNvPicPr>
+          <p:nvPr/>
+        </p:nvPicPr>
+        <p:blipFill>
+          <a:blip r:embed="rId3"/>
+          <a:stretch>
+            <a:fillRect/>
+          </a:stretch>
+        </p:blipFill>
+        <p:spPr>
+          <a:xfrm>
+            <a:off x="2142026" y="2124410"/>
+            <a:ext cx="3577218" cy="924586"/>
+          </a:xfrm>
+          <a:prstGeom prst="rect">
+            <a:avLst/>
+          </a:prstGeom>
+        </p:spPr>
+        <p:style>
+          <a:lnRef idx="2">
+            <a:schemeClr val="dk1"/>
+          </a:lnRef>
+          <a:fillRef idx="1">
+            <a:schemeClr val="lt1"/>
+          </a:fillRef>
+          <a:effectRef idx="0">
+            <a:schemeClr val="dk1"/>
+          </a:effectRef>
+          <a:fontRef idx="minor">
+            <a:schemeClr val="dk1"/>
+          </a:fontRef>
+        </p:style>
+      </p:pic>
+    </p:spTree>
+    <p:extLst>
+      <p:ext uri="{BB962C8B-B14F-4D97-AF65-F5344CB8AC3E}">
+        <p14:creationId xmlns:p14="http://schemas.microsoft.com/office/powerpoint/2010/main" val="2658284036"/>
+      </p:ext>
+    </p:extLst>
+  </p:cSld>
+  <p:clrMapOvr>
+    <a:masterClrMapping/>
+  </p:clrMapOvr>
+</p:sld>
+</file>
+
+<file path=ppt/slides/slide21.xml><?xml version="1.0" encoding="utf-8"?>
+<p:sld xmlns:a="http://schemas.openxmlformats.org/drawingml/2006/main" xmlns:r="http://schemas.openxmlformats.org/officeDocument/2006/relationships" xmlns:p="http://schemas.openxmlformats.org/presentationml/2006/main">
+  <p:cSld>
+    <p:spTree>
+      <p:nvGrpSpPr>
+        <p:cNvPr id="1" name=""/>
+        <p:cNvGrpSpPr/>
+        <p:nvPr/>
+      </p:nvGrpSpPr>
+      <p:grpSpPr>
+        <a:xfrm>
+          <a:off x="0" y="0"/>
+          <a:ext cx="0" cy="0"/>
+          <a:chOff x="0" y="0"/>
+          <a:chExt cx="0" cy="0"/>
+        </a:xfrm>
+      </p:grpSpPr>
+      <p:sp>
+        <p:nvSpPr>
+          <p:cNvPr id="2" name="Title 1"/>
+          <p:cNvSpPr>
+            <a:spLocks noGrp="1"/>
+          </p:cNvSpPr>
+          <p:nvPr>
+            <p:ph type="title"/>
+          </p:nvPr>
+        </p:nvSpPr>
+        <p:spPr/>
+        <p:txBody>
+          <a:bodyPr/>
+          <a:lstStyle/>
+          <a:p>
+            <a:r>
+              <a:rPr lang="en-US" dirty="0" err="1" smtClean="0"/>
+              <a:t>Cual</a:t>
+            </a:r>
+            <a:r>
+              <a:rPr lang="en-US" dirty="0" smtClean="0"/>
+              <a:t> </a:t>
+            </a:r>
+            <a:r>
+              <a:rPr lang="en-US" dirty="0" err="1" smtClean="0"/>
+              <a:t>es</a:t>
+            </a:r>
+            <a:r>
+              <a:rPr lang="en-US" dirty="0"/>
+              <a:t> </a:t>
+            </a:r>
+            <a:r>
+              <a:rPr lang="en-US" dirty="0" smtClean="0"/>
+              <a:t>la </a:t>
+            </a:r>
+            <a:r>
+              <a:rPr lang="en-US" dirty="0" err="1" smtClean="0"/>
+              <a:t>diferencia</a:t>
+            </a:r>
+            <a:endParaRPr lang="en-US" dirty="0"/>
+          </a:p>
+        </p:txBody>
+      </p:sp>
+      <p:sp>
+        <p:nvSpPr>
+          <p:cNvPr id="3" name="Content Placeholder 2"/>
+          <p:cNvSpPr>
+            <a:spLocks noGrp="1"/>
+          </p:cNvSpPr>
+          <p:nvPr>
+            <p:ph type="body" idx="1"/>
+          </p:nvPr>
+        </p:nvSpPr>
+        <p:spPr/>
+        <p:txBody>
+          <a:bodyPr/>
+          <a:lstStyle/>
+          <a:p>
+            <a:r>
+              <a:rPr lang="en-US" sz="1600" dirty="0" err="1" smtClean="0"/>
+              <a:t>Grandes</a:t>
+            </a:r>
+            <a:r>
+              <a:rPr lang="en-US" sz="1600" dirty="0" smtClean="0"/>
+              <a:t> </a:t>
+            </a:r>
+            <a:r>
+              <a:rPr lang="en-US" sz="1600" dirty="0" err="1" smtClean="0"/>
+              <a:t>cantidades</a:t>
+            </a:r>
+            <a:r>
+              <a:rPr lang="en-US" sz="1600" dirty="0" smtClean="0"/>
+              <a:t> de </a:t>
+            </a:r>
+            <a:r>
+              <a:rPr lang="en-US" sz="1600" dirty="0" err="1" smtClean="0"/>
+              <a:t>datos</a:t>
+            </a:r>
+            <a:r>
+              <a:rPr lang="en-US" sz="1600" dirty="0" smtClean="0"/>
+              <a:t>:</a:t>
+            </a:r>
+          </a:p>
+          <a:p>
+            <a:pPr lvl="1"/>
+            <a:r>
+              <a:rPr lang="en-US" sz="1600" dirty="0" err="1" smtClean="0"/>
+              <a:t>Gradiente</a:t>
+            </a:r>
+            <a:r>
+              <a:rPr lang="en-US" sz="1600" dirty="0" smtClean="0"/>
+              <a:t> </a:t>
+            </a:r>
+            <a:r>
+              <a:rPr lang="en-US" sz="1600" dirty="0" err="1" smtClean="0"/>
+              <a:t>descente</a:t>
+            </a:r>
+            <a:r>
+              <a:rPr lang="en-US" sz="1600" dirty="0" smtClean="0"/>
+              <a:t> </a:t>
+            </a:r>
+            <a:r>
+              <a:rPr lang="en-US" sz="1600" dirty="0" err="1" smtClean="0"/>
+              <a:t>es</a:t>
+            </a:r>
+            <a:r>
+              <a:rPr lang="en-US" sz="1600" dirty="0" smtClean="0"/>
+              <a:t> el </a:t>
+            </a:r>
+            <a:r>
+              <a:rPr lang="en-US" sz="1600" dirty="0" err="1" smtClean="0"/>
+              <a:t>rey</a:t>
+            </a:r>
+            <a:r>
+              <a:rPr lang="en-US" sz="1600" dirty="0" smtClean="0"/>
+              <a:t>!</a:t>
+            </a:r>
+          </a:p>
+          <a:p>
+            <a:pPr lvl="1"/>
+            <a:r>
+              <a:rPr lang="en-US" sz="1600" dirty="0" smtClean="0"/>
+              <a:t>Algebra </a:t>
+            </a:r>
+            <a:r>
+              <a:rPr lang="en-US" sz="1600" dirty="0" err="1" smtClean="0"/>
+              <a:t>Matricial</a:t>
+            </a:r>
+            <a:r>
+              <a:rPr lang="en-US" sz="1600" dirty="0" smtClean="0"/>
+              <a:t> </a:t>
+            </a:r>
+            <a:r>
+              <a:rPr lang="en-US" sz="1600" dirty="0" err="1" smtClean="0"/>
+              <a:t>es</a:t>
+            </a:r>
+            <a:r>
+              <a:rPr lang="en-US" sz="1600" dirty="0" smtClean="0"/>
+              <a:t> terrible (</a:t>
+            </a:r>
+            <a:r>
+              <a:rPr lang="en-US" sz="1600" dirty="0" err="1" smtClean="0"/>
+              <a:t>por</a:t>
+            </a:r>
+            <a:r>
+              <a:rPr lang="en-US" sz="1600" dirty="0" smtClean="0"/>
+              <a:t> que?).</a:t>
+            </a:r>
+          </a:p>
+          <a:p>
+            <a:r>
+              <a:rPr lang="en-US" sz="1600" dirty="0" err="1" smtClean="0"/>
+              <a:t>Pequeños</a:t>
+            </a:r>
+            <a:r>
+              <a:rPr lang="en-US" sz="1600" dirty="0" smtClean="0"/>
+              <a:t> </a:t>
+            </a:r>
+            <a:r>
+              <a:rPr lang="en-US" sz="1600" dirty="0" err="1" smtClean="0"/>
+              <a:t>datos</a:t>
+            </a:r>
+            <a:endParaRPr lang="en-US" sz="1600" dirty="0" smtClean="0"/>
+          </a:p>
+          <a:p>
+            <a:pPr lvl="1"/>
+            <a:r>
+              <a:rPr lang="en-US" sz="1600" dirty="0" smtClean="0"/>
+              <a:t>Algebra </a:t>
+            </a:r>
+            <a:r>
+              <a:rPr lang="en-US" sz="1600" dirty="0" err="1" smtClean="0"/>
+              <a:t>Matricial</a:t>
+            </a:r>
+            <a:r>
+              <a:rPr lang="en-US" sz="1600" dirty="0" smtClean="0"/>
+              <a:t> </a:t>
+            </a:r>
+            <a:r>
+              <a:rPr lang="en-US" sz="1600" dirty="0" err="1" smtClean="0"/>
+              <a:t>es</a:t>
+            </a:r>
+            <a:r>
+              <a:rPr lang="en-US" sz="1600" dirty="0" smtClean="0"/>
+              <a:t> lo </a:t>
+            </a:r>
+            <a:r>
+              <a:rPr lang="en-US" sz="1600" dirty="0" err="1" smtClean="0"/>
+              <a:t>mejor</a:t>
+            </a:r>
+            <a:r>
+              <a:rPr lang="en-US" sz="1600" dirty="0" smtClean="0"/>
+              <a:t>.</a:t>
+            </a:r>
+          </a:p>
+          <a:p>
+            <a:pPr lvl="1"/>
+            <a:endParaRPr lang="en-US" sz="1600" dirty="0"/>
+          </a:p>
+          <a:p>
+            <a:r>
+              <a:rPr lang="en-US" sz="1600" dirty="0" err="1" smtClean="0"/>
+              <a:t>En</a:t>
+            </a:r>
+            <a:r>
+              <a:rPr lang="en-US" sz="1600" dirty="0" smtClean="0"/>
+              <a:t> </a:t>
+            </a:r>
+            <a:r>
+              <a:rPr lang="en-US" sz="1600" dirty="0" err="1" smtClean="0"/>
+              <a:t>práctica</a:t>
+            </a:r>
+            <a:r>
+              <a:rPr lang="en-US" sz="1600" dirty="0" smtClean="0"/>
+              <a:t> se </a:t>
+            </a:r>
+            <a:r>
+              <a:rPr lang="en-US" sz="1600" dirty="0" err="1" smtClean="0"/>
+              <a:t>usa</a:t>
+            </a:r>
+            <a:r>
+              <a:rPr lang="en-US" sz="1600" dirty="0" smtClean="0"/>
+              <a:t> gradient </a:t>
+            </a:r>
+            <a:r>
+              <a:rPr lang="en-US" sz="1600" dirty="0" err="1" smtClean="0"/>
+              <a:t>descendente</a:t>
+            </a:r>
+            <a:r>
+              <a:rPr lang="en-US" sz="1600" dirty="0" smtClean="0"/>
+              <a:t> </a:t>
+            </a:r>
+            <a:r>
+              <a:rPr lang="en-US" sz="1600" dirty="0" err="1" smtClean="0"/>
+              <a:t>por</a:t>
+            </a:r>
+            <a:r>
+              <a:rPr lang="en-US" sz="1600" dirty="0" smtClean="0"/>
+              <a:t> que las bases de </a:t>
+            </a:r>
+            <a:r>
+              <a:rPr lang="en-US" sz="1600" dirty="0" err="1" smtClean="0"/>
+              <a:t>datos</a:t>
+            </a:r>
+            <a:r>
+              <a:rPr lang="en-US" sz="1600" dirty="0" smtClean="0"/>
+              <a:t> se </a:t>
+            </a:r>
+            <a:r>
+              <a:rPr lang="en-US" sz="1600" dirty="0" err="1" smtClean="0"/>
+              <a:t>hacen</a:t>
+            </a:r>
+            <a:r>
+              <a:rPr lang="en-US" sz="1600" dirty="0" smtClean="0"/>
+              <a:t> </a:t>
+            </a:r>
+            <a:r>
+              <a:rPr lang="en-US" sz="1600" dirty="0" err="1" smtClean="0"/>
+              <a:t>grandes</a:t>
+            </a:r>
+            <a:r>
+              <a:rPr lang="en-US" sz="1600" dirty="0" smtClean="0"/>
+              <a:t> de </a:t>
+            </a:r>
+            <a:r>
+              <a:rPr lang="en-US" sz="1600" dirty="0" err="1" smtClean="0"/>
+              <a:t>manera</a:t>
+            </a:r>
+            <a:r>
+              <a:rPr lang="en-US" sz="1600" dirty="0" smtClean="0"/>
+              <a:t> </a:t>
+            </a:r>
+            <a:r>
+              <a:rPr lang="en-US" sz="1600" dirty="0" err="1" smtClean="0"/>
+              <a:t>muy</a:t>
+            </a:r>
+            <a:r>
+              <a:rPr lang="en-US" sz="1600" dirty="0" smtClean="0"/>
+              <a:t> </a:t>
+            </a:r>
+            <a:r>
+              <a:rPr lang="en-US" sz="1600" dirty="0" err="1" smtClean="0"/>
+              <a:t>rapida</a:t>
+            </a:r>
+            <a:r>
+              <a:rPr lang="en-US" sz="1600" dirty="0" smtClean="0"/>
+              <a:t>.</a:t>
+            </a:r>
+            <a:endParaRPr lang="en-US" sz="1600" dirty="0"/>
+          </a:p>
+        </p:txBody>
+      </p:sp>
+    </p:spTree>
+    <p:extLst>
+      <p:ext uri="{BB962C8B-B14F-4D97-AF65-F5344CB8AC3E}">
+        <p14:creationId xmlns:p14="http://schemas.microsoft.com/office/powerpoint/2010/main" val="1063087008"/>
+      </p:ext>
+    </p:extLst>
+  </p:cSld>
+  <p:clrMapOvr>
+    <a:masterClrMapping/>
+  </p:clrMapOvr>
+  <p:transition>
+    <p:fade thruBlk="1"/>
+  </p:transition>
+</p:sld>
+</file>
+
+<file path=ppt/slides/slide22.xml><?xml version="1.0" encoding="utf-8"?>
+<p:sld xmlns:a="http://schemas.openxmlformats.org/drawingml/2006/main" xmlns:r="http://schemas.openxmlformats.org/officeDocument/2006/relationships" xmlns:p="http://schemas.openxmlformats.org/presentationml/2006/main">
+  <p:cSld>
+    <p:spTree>
+      <p:nvGrpSpPr>
+        <p:cNvPr id="1" name=""/>
+        <p:cNvGrpSpPr/>
+        <p:nvPr/>
+      </p:nvGrpSpPr>
+      <p:grpSpPr>
+        <a:xfrm>
+          <a:off x="0" y="0"/>
+          <a:ext cx="0" cy="0"/>
+          <a:chOff x="0" y="0"/>
+          <a:chExt cx="0" cy="0"/>
+        </a:xfrm>
+      </p:grpSpPr>
+      <p:sp>
+        <p:nvSpPr>
+          <p:cNvPr id="2" name="Title 1"/>
+          <p:cNvSpPr>
+            <a:spLocks noGrp="1"/>
+          </p:cNvSpPr>
+          <p:nvPr>
+            <p:ph type="title"/>
+          </p:nvPr>
+        </p:nvSpPr>
+        <p:spPr/>
+        <p:txBody>
+          <a:bodyPr/>
+          <a:lstStyle/>
+          <a:p>
+            <a:r>
+              <a:rPr lang="en-US" dirty="0" smtClean="0"/>
+              <a:t>Un </a:t>
+            </a:r>
+            <a:r>
+              <a:rPr lang="en-US" dirty="0" err="1" smtClean="0"/>
+              <a:t>ejemplo</a:t>
+            </a:r>
+            <a:r>
+              <a:rPr lang="en-US" dirty="0" smtClean="0"/>
+              <a:t> de </a:t>
+            </a:r>
+            <a:r>
+              <a:rPr lang="en-US" dirty="0" err="1" smtClean="0"/>
+              <a:t>uso</a:t>
+            </a:r>
+            <a:endParaRPr lang="en-US" dirty="0"/>
+          </a:p>
+        </p:txBody>
+      </p:sp>
+      <p:sp>
+        <p:nvSpPr>
+          <p:cNvPr id="5" name="Rectangle 4"/>
+          <p:cNvSpPr/>
+          <p:nvPr/>
+        </p:nvSpPr>
+        <p:spPr>
+          <a:xfrm>
+            <a:off x="1418342" y="4369174"/>
+            <a:ext cx="3429000" cy="415498"/>
+          </a:xfrm>
+          <a:prstGeom prst="rect">
+            <a:avLst/>
+          </a:prstGeom>
+        </p:spPr>
+        <p:txBody>
+          <a:bodyPr>
+            <a:spAutoFit/>
+          </a:bodyPr>
+          <a:lstStyle/>
+          <a:p>
+            <a:r>
+              <a:rPr lang="en-US" sz="1050" dirty="0">
+                <a:hlinkClick r:id="rId2"/>
+              </a:rPr>
+              <a:t>https://www.youtube.com/watch?v=AR3hY9iB5-I</a:t>
+            </a:r>
+            <a:endParaRPr lang="en-US" sz="1050" dirty="0"/>
+          </a:p>
+          <a:p>
+            <a:endParaRPr lang="en-US" sz="1050" dirty="0"/>
+          </a:p>
+        </p:txBody>
+      </p:sp>
+      <p:pic>
+        <p:nvPicPr>
+          <p:cNvPr id="3" name="Picture 2" descr="Screen Shot 2016-09-15 at 11.27.31 AM.png"/>
+          <p:cNvPicPr>
+            <a:picLocks noChangeAspect="1"/>
+          </p:cNvPicPr>
+          <p:nvPr/>
+        </p:nvPicPr>
+        <p:blipFill>
+          <a:blip r:embed="rId3" cstate="print">
+            <a:extLst>
+              <a:ext uri="{28A0092B-C50C-407E-A947-70E740481C1C}">
+                <a14:useLocalDpi xmlns:a14="http://schemas.microsoft.com/office/drawing/2010/main" val="0"/>
+              </a:ext>
+            </a:extLst>
+          </a:blip>
+          <a:stretch>
+            <a:fillRect/>
+          </a:stretch>
+        </p:blipFill>
+        <p:spPr>
+          <a:xfrm>
+            <a:off x="2301447" y="1386710"/>
+            <a:ext cx="3986539" cy="2686817"/>
+          </a:xfrm>
+          <a:prstGeom prst="rect">
+            <a:avLst/>
+          </a:prstGeom>
+        </p:spPr>
+      </p:pic>
+    </p:spTree>
+    <p:extLst>
+      <p:ext uri="{BB962C8B-B14F-4D97-AF65-F5344CB8AC3E}">
+        <p14:creationId xmlns:p14="http://schemas.microsoft.com/office/powerpoint/2010/main" val="2804473875"/>
+      </p:ext>
+    </p:extLst>
+  </p:cSld>
+  <p:clrMapOvr>
+    <a:masterClrMapping/>
+  </p:clrMapOvr>
+  <p:transition>
+    <p:fade thruBlk="1"/>
+  </p:transition>
+</p:sld>
+</file>
+
+<file path=ppt/slides/slide23.xml><?xml version="1.0" encoding="utf-8"?>
+<p:sld xmlns:a="http://schemas.openxmlformats.org/drawingml/2006/main" xmlns:r="http://schemas.openxmlformats.org/officeDocument/2006/relationships" xmlns:p="http://schemas.openxmlformats.org/presentationml/2006/main">
+  <p:cSld>
+    <p:spTree>
+      <p:nvGrpSpPr>
+        <p:cNvPr id="1" name=""/>
+        <p:cNvGrpSpPr/>
+        <p:nvPr/>
+      </p:nvGrpSpPr>
+      <p:grpSpPr>
+        <a:xfrm>
+          <a:off x="0" y="0"/>
+          <a:ext cx="0" cy="0"/>
+          <a:chOff x="0" y="0"/>
+          <a:chExt cx="0" cy="0"/>
+        </a:xfrm>
+      </p:grpSpPr>
+      <p:sp>
+        <p:nvSpPr>
+          <p:cNvPr id="2" name="Título 1"/>
+          <p:cNvSpPr>
+            <a:spLocks noGrp="1"/>
+          </p:cNvSpPr>
+          <p:nvPr>
+            <p:ph type="title"/>
+          </p:nvPr>
+        </p:nvSpPr>
+        <p:spPr/>
+        <p:txBody>
+          <a:bodyPr/>
+          <a:lstStyle/>
+          <a:p>
+            <a:r>
+              <a:rPr lang="es-MX" dirty="0" smtClean="0"/>
+              <a:t>Hay un problema</a:t>
             </a:r>
             <a:endParaRPr lang="es-MX" dirty="0"/>
           </a:p>
@@ -7221,6 +7839,21 @@
           <a:bodyPr/>
           <a:lstStyle/>
           <a:p>
+            <a:r>
+              <a:rPr lang="es-MX" dirty="0" smtClean="0"/>
+              <a:t>Imagínense que sólo entrenamos datos de alumnos de la UP</a:t>
+            </a:r>
+          </a:p>
+          <a:p>
+            <a:endParaRPr lang="es-MX" dirty="0"/>
+          </a:p>
+          <a:p>
+            <a:endParaRPr lang="es-MX" dirty="0" smtClean="0"/>
+          </a:p>
+          <a:p>
+            <a:endParaRPr lang="es-MX" dirty="0"/>
+          </a:p>
+          <a:p>
             <a:endParaRPr lang="es-MX" dirty="0"/>
           </a:p>
         </p:txBody>
@@ -7251,22 +7884,1314 @@
             </a:pPr>
             <a:fld id="{00000000-1234-1234-1234-123412341234}" type="slidenum">
               <a:rPr lang="es-MX" smtClean="0"/>
-              <a:t>20</a:t>
+              <a:t>23</a:t>
             </a:fld>
             <a:endParaRPr lang="es-MX"/>
+          </a:p>
+        </p:txBody>
+      </p:sp>
+      <p:pic>
+        <p:nvPicPr>
+          <p:cNvPr id="1026" name="Picture 2" descr="Image result for universidad panamericana"/>
+          <p:cNvPicPr>
+            <a:picLocks noChangeAspect="1" noChangeArrowheads="1"/>
+          </p:cNvPicPr>
+          <p:nvPr/>
+        </p:nvPicPr>
+        <p:blipFill>
+          <a:blip r:embed="rId2">
+            <a:extLst>
+              <a:ext uri="{28A0092B-C50C-407E-A947-70E740481C1C}">
+                <a14:useLocalDpi xmlns:a14="http://schemas.microsoft.com/office/drawing/2010/main" val="0"/>
+              </a:ext>
+            </a:extLst>
+          </a:blip>
+          <a:srcRect/>
+          <a:stretch>
+            <a:fillRect/>
+          </a:stretch>
+        </p:blipFill>
+        <p:spPr bwMode="auto">
+          <a:xfrm>
+            <a:off x="1207011" y="2900100"/>
+            <a:ext cx="1710813" cy="1066800"/>
+          </a:xfrm>
+          <a:prstGeom prst="rect">
+            <a:avLst/>
+          </a:prstGeom>
+          <a:noFill/>
+          <a:extLst>
+            <a:ext uri="{909E8E84-426E-40DD-AFC4-6F175D3DCCD1}">
+              <a14:hiddenFill xmlns:a14="http://schemas.microsoft.com/office/drawing/2010/main">
+                <a:solidFill>
+                  <a:srgbClr val="FFFFFF"/>
+                </a:solidFill>
+              </a14:hiddenFill>
+            </a:ext>
+          </a:extLst>
+        </p:spPr>
+      </p:pic>
+      <p:pic>
+        <p:nvPicPr>
+          <p:cNvPr id="1032" name="Picture 8" descr="Image result for unam"/>
+          <p:cNvPicPr>
+            <a:picLocks noChangeAspect="1" noChangeArrowheads="1"/>
+          </p:cNvPicPr>
+          <p:nvPr/>
+        </p:nvPicPr>
+        <p:blipFill>
+          <a:blip r:embed="rId3">
+            <a:extLst>
+              <a:ext uri="{28A0092B-C50C-407E-A947-70E740481C1C}">
+                <a14:useLocalDpi xmlns:a14="http://schemas.microsoft.com/office/drawing/2010/main" val="0"/>
+              </a:ext>
+            </a:extLst>
+          </a:blip>
+          <a:srcRect/>
+          <a:stretch>
+            <a:fillRect/>
+          </a:stretch>
+        </p:blipFill>
+        <p:spPr bwMode="auto">
+          <a:xfrm>
+            <a:off x="5702482" y="2900100"/>
+            <a:ext cx="1244393" cy="1300956"/>
+          </a:xfrm>
+          <a:prstGeom prst="rect">
+            <a:avLst/>
+          </a:prstGeom>
+          <a:noFill/>
+          <a:extLst>
+            <a:ext uri="{909E8E84-426E-40DD-AFC4-6F175D3DCCD1}">
+              <a14:hiddenFill xmlns:a14="http://schemas.microsoft.com/office/drawing/2010/main">
+                <a:solidFill>
+                  <a:srgbClr val="FFFFFF"/>
+                </a:solidFill>
+              </a14:hiddenFill>
+            </a:ext>
+          </a:extLst>
+        </p:spPr>
+      </p:pic>
+      <p:sp>
+        <p:nvSpPr>
+          <p:cNvPr id="7" name="Flecha curvada hacia abajo 6"/>
+          <p:cNvSpPr/>
+          <p:nvPr/>
+        </p:nvSpPr>
+        <p:spPr>
+          <a:xfrm flipV="1">
+            <a:off x="3062514" y="3550578"/>
+            <a:ext cx="2510972" cy="650478"/>
+          </a:xfrm>
+          <a:prstGeom prst="curvedDownArrow">
+            <a:avLst>
+              <a:gd name="adj1" fmla="val 16214"/>
+              <a:gd name="adj2" fmla="val 50000"/>
+              <a:gd name="adj3" fmla="val 42850"/>
+            </a:avLst>
+          </a:prstGeom>
+        </p:spPr>
+        <p:style>
+          <a:lnRef idx="2">
+            <a:schemeClr val="accent1">
+              <a:shade val="50000"/>
+            </a:schemeClr>
+          </a:lnRef>
+          <a:fillRef idx="1">
+            <a:schemeClr val="accent1"/>
+          </a:fillRef>
+          <a:effectRef idx="0">
+            <a:schemeClr val="accent1"/>
+          </a:effectRef>
+          <a:fontRef idx="minor">
+            <a:schemeClr val="lt1"/>
+          </a:fontRef>
+        </p:style>
+        <p:txBody>
+          <a:bodyPr rtlCol="0" anchor="ctr"/>
+          <a:lstStyle/>
+          <a:p>
+            <a:pPr algn="ctr"/>
+            <a:endParaRPr lang="es-MX">
+              <a:solidFill>
+                <a:schemeClr val="tx1"/>
+              </a:solidFill>
+            </a:endParaRPr>
           </a:p>
         </p:txBody>
       </p:sp>
     </p:spTree>
     <p:extLst>
       <p:ext uri="{BB962C8B-B14F-4D97-AF65-F5344CB8AC3E}">
-        <p14:creationId xmlns:p14="http://schemas.microsoft.com/office/powerpoint/2010/main" val="3826440209"/>
+        <p14:creationId xmlns:p14="http://schemas.microsoft.com/office/powerpoint/2010/main" val="1272881858"/>
       </p:ext>
     </p:extLst>
   </p:cSld>
   <p:clrMapOvr>
     <a:masterClrMapping/>
   </p:clrMapOvr>
+</p:sld>
+</file>
+
+<file path=ppt/slides/slide24.xml><?xml version="1.0" encoding="utf-8"?>
+<p:sld xmlns:a="http://schemas.openxmlformats.org/drawingml/2006/main" xmlns:r="http://schemas.openxmlformats.org/officeDocument/2006/relationships" xmlns:p="http://schemas.openxmlformats.org/presentationml/2006/main">
+  <p:cSld>
+    <p:spTree>
+      <p:nvGrpSpPr>
+        <p:cNvPr id="1" name=""/>
+        <p:cNvGrpSpPr/>
+        <p:nvPr/>
+      </p:nvGrpSpPr>
+      <p:grpSpPr>
+        <a:xfrm>
+          <a:off x="0" y="0"/>
+          <a:ext cx="0" cy="0"/>
+          <a:chOff x="0" y="0"/>
+          <a:chExt cx="0" cy="0"/>
+        </a:xfrm>
+      </p:grpSpPr>
+      <p:sp>
+        <p:nvSpPr>
+          <p:cNvPr id="2" name="Título 1"/>
+          <p:cNvSpPr>
+            <a:spLocks noGrp="1"/>
+          </p:cNvSpPr>
+          <p:nvPr>
+            <p:ph type="title"/>
+          </p:nvPr>
+        </p:nvSpPr>
+        <p:spPr/>
+        <p:txBody>
+          <a:bodyPr/>
+          <a:lstStyle/>
+          <a:p>
+            <a:endParaRPr lang="es-MX"/>
+          </a:p>
+        </p:txBody>
+      </p:sp>
+      <p:sp>
+        <p:nvSpPr>
+          <p:cNvPr id="3" name="Marcador de texto 2"/>
+          <p:cNvSpPr>
+            <a:spLocks noGrp="1"/>
+          </p:cNvSpPr>
+          <p:nvPr>
+            <p:ph type="body" idx="1"/>
+          </p:nvPr>
+        </p:nvSpPr>
+        <p:spPr/>
+        <p:txBody>
+          <a:bodyPr/>
+          <a:lstStyle/>
+          <a:p>
+            <a:r>
+              <a:rPr lang="es-MX" dirty="0" smtClean="0"/>
+              <a:t>¿Qué pasaría si entrenamos en una empresa y probamos en otra?</a:t>
+            </a:r>
+          </a:p>
+          <a:p>
+            <a:endParaRPr lang="es-MX" dirty="0"/>
+          </a:p>
+          <a:p>
+            <a:endParaRPr lang="es-MX" dirty="0" smtClean="0"/>
+          </a:p>
+          <a:p>
+            <a:endParaRPr lang="es-MX" dirty="0"/>
+          </a:p>
+          <a:p>
+            <a:endParaRPr lang="es-MX" dirty="0"/>
+          </a:p>
+        </p:txBody>
+      </p:sp>
+      <p:sp>
+        <p:nvSpPr>
+          <p:cNvPr id="4" name="Marcador de número de diapositiva 3"/>
+          <p:cNvSpPr>
+            <a:spLocks noGrp="1"/>
+          </p:cNvSpPr>
+          <p:nvPr>
+            <p:ph type="sldNum" idx="12"/>
+          </p:nvPr>
+        </p:nvSpPr>
+        <p:spPr/>
+        <p:txBody>
+          <a:bodyPr/>
+          <a:lstStyle/>
+          <a:p>
+            <a:pPr marL="0" lvl="0" indent="0">
+              <a:spcBef>
+                <a:spcPts val="0"/>
+              </a:spcBef>
+              <a:spcAft>
+                <a:spcPts val="0"/>
+              </a:spcAft>
+              <a:buNone/>
+            </a:pPr>
+            <a:fld id="{00000000-1234-1234-1234-123412341234}" type="slidenum">
+              <a:rPr lang="es-MX" smtClean="0"/>
+              <a:t>24</a:t>
+            </a:fld>
+            <a:endParaRPr lang="es-MX"/>
+          </a:p>
+        </p:txBody>
+      </p:sp>
+      <p:pic>
+        <p:nvPicPr>
+          <p:cNvPr id="2050" name="Picture 2" descr="Image result for televisa"/>
+          <p:cNvPicPr>
+            <a:picLocks noChangeAspect="1" noChangeArrowheads="1"/>
+          </p:cNvPicPr>
+          <p:nvPr/>
+        </p:nvPicPr>
+        <p:blipFill>
+          <a:blip r:embed="rId2">
+            <a:extLst>
+              <a:ext uri="{28A0092B-C50C-407E-A947-70E740481C1C}">
+                <a14:useLocalDpi xmlns:a14="http://schemas.microsoft.com/office/drawing/2010/main" val="0"/>
+              </a:ext>
+            </a:extLst>
+          </a:blip>
+          <a:srcRect/>
+          <a:stretch>
+            <a:fillRect/>
+          </a:stretch>
+        </p:blipFill>
+        <p:spPr bwMode="auto">
+          <a:xfrm>
+            <a:off x="1611086" y="2773484"/>
+            <a:ext cx="1715860" cy="1389847"/>
+          </a:xfrm>
+          <a:prstGeom prst="rect">
+            <a:avLst/>
+          </a:prstGeom>
+          <a:noFill/>
+          <a:extLst>
+            <a:ext uri="{909E8E84-426E-40DD-AFC4-6F175D3DCCD1}">
+              <a14:hiddenFill xmlns:a14="http://schemas.microsoft.com/office/drawing/2010/main">
+                <a:solidFill>
+                  <a:srgbClr val="FFFFFF"/>
+                </a:solidFill>
+              </a14:hiddenFill>
+            </a:ext>
+          </a:extLst>
+        </p:spPr>
+      </p:pic>
+      <p:pic>
+        <p:nvPicPr>
+          <p:cNvPr id="2052" name="Picture 4" descr="Image result for tvazteca"/>
+          <p:cNvPicPr>
+            <a:picLocks noChangeAspect="1" noChangeArrowheads="1"/>
+          </p:cNvPicPr>
+          <p:nvPr/>
+        </p:nvPicPr>
+        <p:blipFill>
+          <a:blip r:embed="rId3">
+            <a:extLst>
+              <a:ext uri="{28A0092B-C50C-407E-A947-70E740481C1C}">
+                <a14:useLocalDpi xmlns:a14="http://schemas.microsoft.com/office/drawing/2010/main" val="0"/>
+              </a:ext>
+            </a:extLst>
+          </a:blip>
+          <a:srcRect/>
+          <a:stretch>
+            <a:fillRect/>
+          </a:stretch>
+        </p:blipFill>
+        <p:spPr bwMode="auto">
+          <a:xfrm>
+            <a:off x="5487304" y="2228230"/>
+            <a:ext cx="1638741" cy="1090508"/>
+          </a:xfrm>
+          <a:prstGeom prst="rect">
+            <a:avLst/>
+          </a:prstGeom>
+          <a:noFill/>
+          <a:extLst>
+            <a:ext uri="{909E8E84-426E-40DD-AFC4-6F175D3DCCD1}">
+              <a14:hiddenFill xmlns:a14="http://schemas.microsoft.com/office/drawing/2010/main">
+                <a:solidFill>
+                  <a:srgbClr val="FFFFFF"/>
+                </a:solidFill>
+              </a14:hiddenFill>
+            </a:ext>
+          </a:extLst>
+        </p:spPr>
+      </p:pic>
+      <p:pic>
+        <p:nvPicPr>
+          <p:cNvPr id="2054" name="Picture 6" descr="Image result for tv globo"/>
+          <p:cNvPicPr>
+            <a:picLocks noChangeAspect="1" noChangeArrowheads="1"/>
+          </p:cNvPicPr>
+          <p:nvPr/>
+        </p:nvPicPr>
+        <p:blipFill>
+          <a:blip r:embed="rId4">
+            <a:extLst>
+              <a:ext uri="{28A0092B-C50C-407E-A947-70E740481C1C}">
+                <a14:useLocalDpi xmlns:a14="http://schemas.microsoft.com/office/drawing/2010/main" val="0"/>
+              </a:ext>
+            </a:extLst>
+          </a:blip>
+          <a:srcRect/>
+          <a:stretch>
+            <a:fillRect/>
+          </a:stretch>
+        </p:blipFill>
+        <p:spPr bwMode="auto">
+          <a:xfrm>
+            <a:off x="5515949" y="3817257"/>
+            <a:ext cx="1282680" cy="1092950"/>
+          </a:xfrm>
+          <a:prstGeom prst="rect">
+            <a:avLst/>
+          </a:prstGeom>
+          <a:noFill/>
+          <a:extLst>
+            <a:ext uri="{909E8E84-426E-40DD-AFC4-6F175D3DCCD1}">
+              <a14:hiddenFill xmlns:a14="http://schemas.microsoft.com/office/drawing/2010/main">
+                <a:solidFill>
+                  <a:srgbClr val="FFFFFF"/>
+                </a:solidFill>
+              </a14:hiddenFill>
+            </a:ext>
+          </a:extLst>
+        </p:spPr>
+      </p:pic>
+    </p:spTree>
+    <p:extLst>
+      <p:ext uri="{BB962C8B-B14F-4D97-AF65-F5344CB8AC3E}">
+        <p14:creationId xmlns:p14="http://schemas.microsoft.com/office/powerpoint/2010/main" val="3934571873"/>
+      </p:ext>
+    </p:extLst>
+  </p:cSld>
+  <p:clrMapOvr>
+    <a:masterClrMapping/>
+  </p:clrMapOvr>
+</p:sld>
+</file>
+
+<file path=ppt/slides/slide25.xml><?xml version="1.0" encoding="utf-8"?>
+<p:sld xmlns:a="http://schemas.openxmlformats.org/drawingml/2006/main" xmlns:r="http://schemas.openxmlformats.org/officeDocument/2006/relationships" xmlns:p="http://schemas.openxmlformats.org/presentationml/2006/main">
+  <p:cSld>
+    <p:spTree>
+      <p:nvGrpSpPr>
+        <p:cNvPr id="1" name=""/>
+        <p:cNvGrpSpPr/>
+        <p:nvPr/>
+      </p:nvGrpSpPr>
+      <p:grpSpPr>
+        <a:xfrm>
+          <a:off x="0" y="0"/>
+          <a:ext cx="0" cy="0"/>
+          <a:chOff x="0" y="0"/>
+          <a:chExt cx="0" cy="0"/>
+        </a:xfrm>
+      </p:grpSpPr>
+      <p:sp>
+        <p:nvSpPr>
+          <p:cNvPr id="2" name="Título 1"/>
+          <p:cNvSpPr>
+            <a:spLocks noGrp="1"/>
+          </p:cNvSpPr>
+          <p:nvPr>
+            <p:ph type="title"/>
+          </p:nvPr>
+        </p:nvSpPr>
+        <p:spPr/>
+        <p:txBody>
+          <a:bodyPr/>
+          <a:lstStyle/>
+          <a:p>
+            <a:r>
+              <a:rPr lang="es-MX" dirty="0" smtClean="0"/>
+              <a:t>Sobreajuste u </a:t>
+            </a:r>
+            <a:r>
+              <a:rPr lang="es-MX" dirty="0" err="1" smtClean="0"/>
+              <a:t>Overfitting</a:t>
+            </a:r>
+            <a:endParaRPr lang="es-MX" dirty="0"/>
+          </a:p>
+        </p:txBody>
+      </p:sp>
+      <p:sp>
+        <p:nvSpPr>
+          <p:cNvPr id="3" name="Marcador de texto 2"/>
+          <p:cNvSpPr>
+            <a:spLocks noGrp="1"/>
+          </p:cNvSpPr>
+          <p:nvPr>
+            <p:ph type="body" idx="1"/>
+          </p:nvPr>
+        </p:nvSpPr>
+        <p:spPr/>
+        <p:txBody>
+          <a:bodyPr/>
+          <a:lstStyle/>
+          <a:p>
+            <a:r>
+              <a:rPr lang="es-MX" dirty="0" smtClean="0"/>
+              <a:t>Es el problema de ajustar un modelo a un set de datos, y probarlo en otro set de datos.</a:t>
+            </a:r>
+            <a:endParaRPr lang="es-MX" dirty="0"/>
+          </a:p>
+        </p:txBody>
+      </p:sp>
+      <p:sp>
+        <p:nvSpPr>
+          <p:cNvPr id="4" name="Marcador de número de diapositiva 3"/>
+          <p:cNvSpPr>
+            <a:spLocks noGrp="1"/>
+          </p:cNvSpPr>
+          <p:nvPr>
+            <p:ph type="sldNum" idx="12"/>
+          </p:nvPr>
+        </p:nvSpPr>
+        <p:spPr/>
+        <p:txBody>
+          <a:bodyPr/>
+          <a:lstStyle/>
+          <a:p>
+            <a:pPr marL="0" lvl="0" indent="0">
+              <a:spcBef>
+                <a:spcPts val="0"/>
+              </a:spcBef>
+              <a:spcAft>
+                <a:spcPts val="0"/>
+              </a:spcAft>
+              <a:buNone/>
+            </a:pPr>
+            <a:fld id="{00000000-1234-1234-1234-123412341234}" type="slidenum">
+              <a:rPr lang="es-MX" smtClean="0"/>
+              <a:t>25</a:t>
+            </a:fld>
+            <a:endParaRPr lang="es-MX"/>
+          </a:p>
+        </p:txBody>
+      </p:sp>
+    </p:spTree>
+    <p:extLst>
+      <p:ext uri="{BB962C8B-B14F-4D97-AF65-F5344CB8AC3E}">
+        <p14:creationId xmlns:p14="http://schemas.microsoft.com/office/powerpoint/2010/main" val="2062406527"/>
+      </p:ext>
+    </p:extLst>
+  </p:cSld>
+  <p:clrMapOvr>
+    <a:masterClrMapping/>
+  </p:clrMapOvr>
+</p:sld>
+</file>
+
+<file path=ppt/slides/slide26.xml><?xml version="1.0" encoding="utf-8"?>
+<p:sld xmlns:a="http://schemas.openxmlformats.org/drawingml/2006/main" xmlns:r="http://schemas.openxmlformats.org/officeDocument/2006/relationships" xmlns:p="http://schemas.openxmlformats.org/presentationml/2006/main">
+  <p:cSld>
+    <p:spTree>
+      <p:nvGrpSpPr>
+        <p:cNvPr id="1" name=""/>
+        <p:cNvGrpSpPr/>
+        <p:nvPr/>
+      </p:nvGrpSpPr>
+      <p:grpSpPr>
+        <a:xfrm>
+          <a:off x="0" y="0"/>
+          <a:ext cx="0" cy="0"/>
+          <a:chOff x="0" y="0"/>
+          <a:chExt cx="0" cy="0"/>
+        </a:xfrm>
+      </p:grpSpPr>
+      <p:sp>
+        <p:nvSpPr>
+          <p:cNvPr id="2" name="Título 1"/>
+          <p:cNvSpPr>
+            <a:spLocks noGrp="1"/>
+          </p:cNvSpPr>
+          <p:nvPr>
+            <p:ph type="title"/>
+          </p:nvPr>
+        </p:nvSpPr>
+        <p:spPr/>
+        <p:txBody>
+          <a:bodyPr/>
+          <a:lstStyle/>
+          <a:p>
+            <a:r>
+              <a:rPr lang="es-MX" dirty="0" smtClean="0"/>
+              <a:t>Datos de Prueba y Datos de Entrenamiento</a:t>
+            </a:r>
+            <a:endParaRPr lang="es-MX" dirty="0"/>
+          </a:p>
+        </p:txBody>
+      </p:sp>
+      <p:sp>
+        <p:nvSpPr>
+          <p:cNvPr id="4" name="Marcador de número de diapositiva 3"/>
+          <p:cNvSpPr>
+            <a:spLocks noGrp="1"/>
+          </p:cNvSpPr>
+          <p:nvPr>
+            <p:ph type="sldNum" idx="12"/>
+          </p:nvPr>
+        </p:nvSpPr>
+        <p:spPr/>
+        <p:txBody>
+          <a:bodyPr/>
+          <a:lstStyle/>
+          <a:p>
+            <a:pPr marL="0" lvl="0" indent="0">
+              <a:spcBef>
+                <a:spcPts val="0"/>
+              </a:spcBef>
+              <a:spcAft>
+                <a:spcPts val="0"/>
+              </a:spcAft>
+              <a:buNone/>
+            </a:pPr>
+            <a:fld id="{00000000-1234-1234-1234-123412341234}" type="slidenum">
+              <a:rPr lang="es-MX" smtClean="0"/>
+              <a:t>26</a:t>
+            </a:fld>
+            <a:endParaRPr lang="es-MX"/>
+          </a:p>
+        </p:txBody>
+      </p:sp>
+      <p:grpSp>
+        <p:nvGrpSpPr>
+          <p:cNvPr id="12" name="Grupo 11"/>
+          <p:cNvGrpSpPr/>
+          <p:nvPr/>
+        </p:nvGrpSpPr>
+        <p:grpSpPr>
+          <a:xfrm>
+            <a:off x="1901370" y="1582058"/>
+            <a:ext cx="5196115" cy="2923814"/>
+            <a:chOff x="1436914" y="1712686"/>
+            <a:chExt cx="3810000" cy="2569028"/>
+          </a:xfrm>
+        </p:grpSpPr>
+        <p:sp>
+          <p:nvSpPr>
+            <p:cNvPr id="5" name="Rectángulo 4"/>
+            <p:cNvSpPr/>
+            <p:nvPr/>
+          </p:nvSpPr>
+          <p:spPr>
+            <a:xfrm>
+              <a:off x="1436914" y="1712686"/>
+              <a:ext cx="870857" cy="2569028"/>
+            </a:xfrm>
+            <a:prstGeom prst="rect">
+              <a:avLst/>
+            </a:prstGeom>
+          </p:spPr>
+          <p:style>
+            <a:lnRef idx="2">
+              <a:schemeClr val="accent6">
+                <a:shade val="50000"/>
+              </a:schemeClr>
+            </a:lnRef>
+            <a:fillRef idx="1">
+              <a:schemeClr val="accent6"/>
+            </a:fillRef>
+            <a:effectRef idx="0">
+              <a:schemeClr val="accent6"/>
+            </a:effectRef>
+            <a:fontRef idx="minor">
+              <a:schemeClr val="lt1"/>
+            </a:fontRef>
+          </p:style>
+          <p:txBody>
+            <a:bodyPr rtlCol="0" anchor="ctr"/>
+            <a:lstStyle/>
+            <a:p>
+              <a:pPr algn="ctr"/>
+              <a:r>
+                <a:rPr lang="es-MX" dirty="0" smtClean="0"/>
+                <a:t>Datos</a:t>
+              </a:r>
+              <a:endParaRPr lang="es-MX" dirty="0"/>
+            </a:p>
+          </p:txBody>
+        </p:sp>
+        <p:sp>
+          <p:nvSpPr>
+            <p:cNvPr id="6" name="Rectángulo 5"/>
+            <p:cNvSpPr/>
+            <p:nvPr/>
+          </p:nvSpPr>
+          <p:spPr>
+            <a:xfrm>
+              <a:off x="4376057" y="1712686"/>
+              <a:ext cx="870857" cy="609600"/>
+            </a:xfrm>
+            <a:prstGeom prst="rect">
+              <a:avLst/>
+            </a:prstGeom>
+          </p:spPr>
+          <p:style>
+            <a:lnRef idx="2">
+              <a:schemeClr val="accent6">
+                <a:shade val="50000"/>
+              </a:schemeClr>
+            </a:lnRef>
+            <a:fillRef idx="1">
+              <a:schemeClr val="accent6"/>
+            </a:fillRef>
+            <a:effectRef idx="0">
+              <a:schemeClr val="accent6"/>
+            </a:effectRef>
+            <a:fontRef idx="minor">
+              <a:schemeClr val="lt1"/>
+            </a:fontRef>
+          </p:style>
+          <p:txBody>
+            <a:bodyPr rtlCol="0" anchor="ctr"/>
+            <a:lstStyle/>
+            <a:p>
+              <a:pPr algn="ctr"/>
+              <a:r>
+                <a:rPr lang="es-MX" dirty="0" smtClean="0"/>
+                <a:t>Prueba</a:t>
+              </a:r>
+              <a:endParaRPr lang="es-MX" dirty="0"/>
+            </a:p>
+          </p:txBody>
+        </p:sp>
+        <p:sp>
+          <p:nvSpPr>
+            <p:cNvPr id="7" name="Rectángulo 6"/>
+            <p:cNvSpPr/>
+            <p:nvPr/>
+          </p:nvSpPr>
+          <p:spPr>
+            <a:xfrm>
+              <a:off x="4376057" y="2423886"/>
+              <a:ext cx="870857" cy="1857828"/>
+            </a:xfrm>
+            <a:prstGeom prst="rect">
+              <a:avLst/>
+            </a:prstGeom>
+          </p:spPr>
+          <p:style>
+            <a:lnRef idx="2">
+              <a:schemeClr val="accent6">
+                <a:shade val="50000"/>
+              </a:schemeClr>
+            </a:lnRef>
+            <a:fillRef idx="1">
+              <a:schemeClr val="accent6"/>
+            </a:fillRef>
+            <a:effectRef idx="0">
+              <a:schemeClr val="accent6"/>
+            </a:effectRef>
+            <a:fontRef idx="minor">
+              <a:schemeClr val="lt1"/>
+            </a:fontRef>
+          </p:style>
+          <p:txBody>
+            <a:bodyPr rtlCol="0" anchor="ctr"/>
+            <a:lstStyle/>
+            <a:p>
+              <a:pPr algn="ctr"/>
+              <a:r>
+                <a:rPr lang="es-MX" dirty="0" smtClean="0"/>
+                <a:t>Entrenar</a:t>
+              </a:r>
+              <a:endParaRPr lang="es-MX" dirty="0"/>
+            </a:p>
+          </p:txBody>
+        </p:sp>
+        <p:cxnSp>
+          <p:nvCxnSpPr>
+            <p:cNvPr id="9" name="Conector recto de flecha 8"/>
+            <p:cNvCxnSpPr/>
+            <p:nvPr/>
+          </p:nvCxnSpPr>
+          <p:spPr>
+            <a:xfrm>
+              <a:off x="2307771" y="1712686"/>
+              <a:ext cx="2068286" cy="0"/>
+            </a:xfrm>
+            <a:prstGeom prst="straightConnector1">
+              <a:avLst/>
+            </a:prstGeom>
+            <a:ln>
+              <a:tailEnd type="triangle"/>
+            </a:ln>
+          </p:spPr>
+          <p:style>
+            <a:lnRef idx="1">
+              <a:schemeClr val="accent1"/>
+            </a:lnRef>
+            <a:fillRef idx="0">
+              <a:schemeClr val="accent1"/>
+            </a:fillRef>
+            <a:effectRef idx="0">
+              <a:schemeClr val="accent1"/>
+            </a:effectRef>
+            <a:fontRef idx="minor">
+              <a:schemeClr val="tx1"/>
+            </a:fontRef>
+          </p:style>
+        </p:cxnSp>
+        <p:cxnSp>
+          <p:nvCxnSpPr>
+            <p:cNvPr id="10" name="Conector recto de flecha 9"/>
+            <p:cNvCxnSpPr/>
+            <p:nvPr/>
+          </p:nvCxnSpPr>
+          <p:spPr>
+            <a:xfrm>
+              <a:off x="2307771" y="4216400"/>
+              <a:ext cx="2068286" cy="0"/>
+            </a:xfrm>
+            <a:prstGeom prst="straightConnector1">
+              <a:avLst/>
+            </a:prstGeom>
+            <a:ln>
+              <a:tailEnd type="triangle"/>
+            </a:ln>
+          </p:spPr>
+          <p:style>
+            <a:lnRef idx="1">
+              <a:schemeClr val="accent1"/>
+            </a:lnRef>
+            <a:fillRef idx="0">
+              <a:schemeClr val="accent1"/>
+            </a:fillRef>
+            <a:effectRef idx="0">
+              <a:schemeClr val="accent1"/>
+            </a:effectRef>
+            <a:fontRef idx="minor">
+              <a:schemeClr val="tx1"/>
+            </a:fontRef>
+          </p:style>
+        </p:cxnSp>
+        <p:sp>
+          <p:nvSpPr>
+            <p:cNvPr id="11" name="Flecha derecha 10"/>
+            <p:cNvSpPr/>
+            <p:nvPr/>
+          </p:nvSpPr>
+          <p:spPr>
+            <a:xfrm>
+              <a:off x="2536371" y="2543629"/>
+              <a:ext cx="1611086" cy="725714"/>
+            </a:xfrm>
+            <a:prstGeom prst="rightArrow">
+              <a:avLst/>
+            </a:prstGeom>
+          </p:spPr>
+          <p:style>
+            <a:lnRef idx="2">
+              <a:schemeClr val="accent1">
+                <a:shade val="50000"/>
+              </a:schemeClr>
+            </a:lnRef>
+            <a:fillRef idx="1">
+              <a:schemeClr val="accent1"/>
+            </a:fillRef>
+            <a:effectRef idx="0">
+              <a:schemeClr val="accent1"/>
+            </a:effectRef>
+            <a:fontRef idx="minor">
+              <a:schemeClr val="lt1"/>
+            </a:fontRef>
+          </p:style>
+          <p:txBody>
+            <a:bodyPr rtlCol="0" anchor="ctr"/>
+            <a:lstStyle/>
+            <a:p>
+              <a:pPr algn="ctr"/>
+              <a:endParaRPr lang="es-MX"/>
+            </a:p>
+          </p:txBody>
+        </p:sp>
+      </p:grpSp>
+    </p:spTree>
+    <p:extLst>
+      <p:ext uri="{BB962C8B-B14F-4D97-AF65-F5344CB8AC3E}">
+        <p14:creationId xmlns:p14="http://schemas.microsoft.com/office/powerpoint/2010/main" val="2087150710"/>
+      </p:ext>
+    </p:extLst>
+  </p:cSld>
+  <p:clrMapOvr>
+    <a:masterClrMapping/>
+  </p:clrMapOvr>
+</p:sld>
+</file>
+
+<file path=ppt/slides/slide27.xml><?xml version="1.0" encoding="utf-8"?>
+<p:sld xmlns:a="http://schemas.openxmlformats.org/drawingml/2006/main" xmlns:r="http://schemas.openxmlformats.org/officeDocument/2006/relationships" xmlns:p="http://schemas.openxmlformats.org/presentationml/2006/main">
+  <p:cSld>
+    <p:spTree>
+      <p:nvGrpSpPr>
+        <p:cNvPr id="1" name=""/>
+        <p:cNvGrpSpPr/>
+        <p:nvPr/>
+      </p:nvGrpSpPr>
+      <p:grpSpPr>
+        <a:xfrm>
+          <a:off x="0" y="0"/>
+          <a:ext cx="0" cy="0"/>
+          <a:chOff x="0" y="0"/>
+          <a:chExt cx="0" cy="0"/>
+        </a:xfrm>
+      </p:grpSpPr>
+      <p:sp>
+        <p:nvSpPr>
+          <p:cNvPr id="2" name="Título 1"/>
+          <p:cNvSpPr>
+            <a:spLocks noGrp="1"/>
+          </p:cNvSpPr>
+          <p:nvPr>
+            <p:ph type="title"/>
+          </p:nvPr>
+        </p:nvSpPr>
+        <p:spPr/>
+        <p:txBody>
+          <a:bodyPr/>
+          <a:lstStyle/>
+          <a:p>
+            <a:r>
+              <a:rPr lang="es-MX" dirty="0" smtClean="0"/>
+              <a:t>Datos de Prueba y de Entrenamiento</a:t>
+            </a:r>
+            <a:endParaRPr lang="es-MX" dirty="0"/>
+          </a:p>
+        </p:txBody>
+      </p:sp>
+      <p:sp>
+        <p:nvSpPr>
+          <p:cNvPr id="3" name="Marcador de texto 2"/>
+          <p:cNvSpPr>
+            <a:spLocks noGrp="1"/>
+          </p:cNvSpPr>
+          <p:nvPr>
+            <p:ph type="body" idx="1"/>
+          </p:nvPr>
+        </p:nvSpPr>
+        <p:spPr/>
+        <p:txBody>
+          <a:bodyPr/>
+          <a:lstStyle/>
+          <a:p>
+            <a:r>
+              <a:rPr lang="es-MX" dirty="0" smtClean="0"/>
+              <a:t>Para que nos sirve tener estos dos sets?</a:t>
+            </a:r>
+          </a:p>
+          <a:p>
+            <a:endParaRPr lang="es-MX" dirty="0"/>
+          </a:p>
+          <a:p>
+            <a:r>
+              <a:rPr lang="es-MX" dirty="0" smtClean="0"/>
+              <a:t>Que tanto debemos de separar ambos sets?</a:t>
+            </a:r>
+          </a:p>
+          <a:p>
+            <a:endParaRPr lang="es-MX" dirty="0"/>
+          </a:p>
+          <a:p>
+            <a:r>
+              <a:rPr lang="es-MX" dirty="0" smtClean="0"/>
+              <a:t>Es bueno o es malo entrenar con muchos o pocos datos?</a:t>
+            </a:r>
+            <a:endParaRPr lang="es-MX" dirty="0"/>
+          </a:p>
+        </p:txBody>
+      </p:sp>
+      <p:sp>
+        <p:nvSpPr>
+          <p:cNvPr id="4" name="Marcador de número de diapositiva 3"/>
+          <p:cNvSpPr>
+            <a:spLocks noGrp="1"/>
+          </p:cNvSpPr>
+          <p:nvPr>
+            <p:ph type="sldNum" idx="12"/>
+          </p:nvPr>
+        </p:nvSpPr>
+        <p:spPr/>
+        <p:txBody>
+          <a:bodyPr/>
+          <a:lstStyle/>
+          <a:p>
+            <a:pPr marL="0" lvl="0" indent="0">
+              <a:spcBef>
+                <a:spcPts val="0"/>
+              </a:spcBef>
+              <a:spcAft>
+                <a:spcPts val="0"/>
+              </a:spcAft>
+              <a:buNone/>
+            </a:pPr>
+            <a:fld id="{00000000-1234-1234-1234-123412341234}" type="slidenum">
+              <a:rPr lang="es-MX" smtClean="0"/>
+              <a:t>27</a:t>
+            </a:fld>
+            <a:endParaRPr lang="es-MX"/>
+          </a:p>
+        </p:txBody>
+      </p:sp>
+    </p:spTree>
+    <p:extLst>
+      <p:ext uri="{BB962C8B-B14F-4D97-AF65-F5344CB8AC3E}">
+        <p14:creationId xmlns:p14="http://schemas.microsoft.com/office/powerpoint/2010/main" val="2980310718"/>
+      </p:ext>
+    </p:extLst>
+  </p:cSld>
+  <p:clrMapOvr>
+    <a:masterClrMapping/>
+  </p:clrMapOvr>
+</p:sld>
+</file>
+
+<file path=ppt/slides/slide28.xml><?xml version="1.0" encoding="utf-8"?>
+<p:sld xmlns:a="http://schemas.openxmlformats.org/drawingml/2006/main" xmlns:r="http://schemas.openxmlformats.org/officeDocument/2006/relationships" xmlns:p="http://schemas.openxmlformats.org/presentationml/2006/main">
+  <p:cSld>
+    <p:spTree>
+      <p:nvGrpSpPr>
+        <p:cNvPr id="1" name=""/>
+        <p:cNvGrpSpPr/>
+        <p:nvPr/>
+      </p:nvGrpSpPr>
+      <p:grpSpPr>
+        <a:xfrm>
+          <a:off x="0" y="0"/>
+          <a:ext cx="0" cy="0"/>
+          <a:chOff x="0" y="0"/>
+          <a:chExt cx="0" cy="0"/>
+        </a:xfrm>
+      </p:grpSpPr>
+      <p:sp>
+        <p:nvSpPr>
+          <p:cNvPr id="2" name="Título 1"/>
+          <p:cNvSpPr>
+            <a:spLocks noGrp="1"/>
+          </p:cNvSpPr>
+          <p:nvPr>
+            <p:ph type="title"/>
+          </p:nvPr>
+        </p:nvSpPr>
+        <p:spPr/>
+        <p:txBody>
+          <a:bodyPr/>
+          <a:lstStyle/>
+          <a:p>
+            <a:r>
+              <a:rPr lang="es-MX" dirty="0" smtClean="0"/>
+              <a:t>Sobreajuste</a:t>
+            </a:r>
+            <a:endParaRPr lang="es-MX" dirty="0"/>
+          </a:p>
+        </p:txBody>
+      </p:sp>
+      <p:sp>
+        <p:nvSpPr>
+          <p:cNvPr id="3" name="Marcador de texto 2"/>
+          <p:cNvSpPr>
+            <a:spLocks noGrp="1"/>
+          </p:cNvSpPr>
+          <p:nvPr>
+            <p:ph type="body" idx="1"/>
+          </p:nvPr>
+        </p:nvSpPr>
+        <p:spPr/>
+        <p:txBody>
+          <a:bodyPr/>
+          <a:lstStyle/>
+          <a:p>
+            <a:r>
+              <a:rPr lang="es-MX" dirty="0" smtClean="0"/>
+              <a:t>En regresión lineal, hay otro método, llamado regularización.</a:t>
+            </a:r>
+          </a:p>
+          <a:p>
+            <a:r>
+              <a:rPr lang="es-MX" dirty="0" smtClean="0"/>
+              <a:t>En regresión lineal, lo que tratamos de encontrar son los pesos.</a:t>
+            </a:r>
+          </a:p>
+          <a:p>
+            <a:pPr lvl="1"/>
+            <a:r>
+              <a:rPr lang="es-MX" dirty="0" smtClean="0"/>
+              <a:t>Que pasa si el peso esta </a:t>
+            </a:r>
+            <a:r>
+              <a:rPr lang="es-MX" dirty="0" err="1" smtClean="0"/>
+              <a:t>sobreajustado</a:t>
+            </a:r>
+            <a:r>
+              <a:rPr lang="es-MX" dirty="0" smtClean="0"/>
+              <a:t>?</a:t>
+            </a:r>
+          </a:p>
+          <a:p>
+            <a:pPr lvl="1"/>
+            <a:r>
+              <a:rPr lang="es-MX" dirty="0" smtClean="0"/>
+              <a:t>Diferentes sets de datos van a compartir diferentes pesos?</a:t>
+            </a:r>
+            <a:endParaRPr lang="es-MX" dirty="0"/>
+          </a:p>
+        </p:txBody>
+      </p:sp>
+      <p:sp>
+        <p:nvSpPr>
+          <p:cNvPr id="4" name="Marcador de número de diapositiva 3"/>
+          <p:cNvSpPr>
+            <a:spLocks noGrp="1"/>
+          </p:cNvSpPr>
+          <p:nvPr>
+            <p:ph type="sldNum" idx="12"/>
+          </p:nvPr>
+        </p:nvSpPr>
+        <p:spPr/>
+        <p:txBody>
+          <a:bodyPr/>
+          <a:lstStyle/>
+          <a:p>
+            <a:pPr marL="0" lvl="0" indent="0">
+              <a:spcBef>
+                <a:spcPts val="0"/>
+              </a:spcBef>
+              <a:spcAft>
+                <a:spcPts val="0"/>
+              </a:spcAft>
+              <a:buNone/>
+            </a:pPr>
+            <a:fld id="{00000000-1234-1234-1234-123412341234}" type="slidenum">
+              <a:rPr lang="es-MX" smtClean="0"/>
+              <a:t>28</a:t>
+            </a:fld>
+            <a:endParaRPr lang="es-MX"/>
+          </a:p>
+        </p:txBody>
+      </p:sp>
+    </p:spTree>
+    <p:extLst>
+      <p:ext uri="{BB962C8B-B14F-4D97-AF65-F5344CB8AC3E}">
+        <p14:creationId xmlns:p14="http://schemas.microsoft.com/office/powerpoint/2010/main" val="362364639"/>
+      </p:ext>
+    </p:extLst>
+  </p:cSld>
+  <p:clrMapOvr>
+    <a:masterClrMapping/>
+  </p:clrMapOvr>
+</p:sld>
+</file>
+
+<file path=ppt/slides/slide29.xml><?xml version="1.0" encoding="utf-8"?>
+<p:sld xmlns:a="http://schemas.openxmlformats.org/drawingml/2006/main" xmlns:r="http://schemas.openxmlformats.org/officeDocument/2006/relationships" xmlns:p="http://schemas.openxmlformats.org/presentationml/2006/main">
+  <p:cSld>
+    <p:spTree>
+      <p:nvGrpSpPr>
+        <p:cNvPr id="1" name=""/>
+        <p:cNvGrpSpPr/>
+        <p:nvPr/>
+      </p:nvGrpSpPr>
+      <p:grpSpPr>
+        <a:xfrm>
+          <a:off x="0" y="0"/>
+          <a:ext cx="0" cy="0"/>
+          <a:chOff x="0" y="0"/>
+          <a:chExt cx="0" cy="0"/>
+        </a:xfrm>
+      </p:grpSpPr>
+      <p:sp>
+        <p:nvSpPr>
+          <p:cNvPr id="2" name="Title 1"/>
+          <p:cNvSpPr>
+            <a:spLocks noGrp="1"/>
+          </p:cNvSpPr>
+          <p:nvPr>
+            <p:ph type="title"/>
+          </p:nvPr>
+        </p:nvSpPr>
+        <p:spPr/>
+        <p:txBody>
+          <a:bodyPr/>
+          <a:lstStyle/>
+          <a:p>
+            <a:r>
+              <a:rPr lang="en-US" dirty="0" err="1" smtClean="0"/>
+              <a:t>Regularizacion</a:t>
+            </a:r>
+            <a:endParaRPr lang="en-US" dirty="0"/>
+          </a:p>
+        </p:txBody>
+      </p:sp>
+      <p:sp>
+        <p:nvSpPr>
+          <p:cNvPr id="3" name="Content Placeholder 2"/>
+          <p:cNvSpPr>
+            <a:spLocks noGrp="1"/>
+          </p:cNvSpPr>
+          <p:nvPr>
+            <p:ph type="body" idx="1"/>
+          </p:nvPr>
+        </p:nvSpPr>
+        <p:spPr/>
+        <p:txBody>
+          <a:bodyPr/>
+          <a:lstStyle/>
+          <a:p>
+            <a:r>
+              <a:rPr lang="en-US" sz="2000" dirty="0" err="1" smtClean="0"/>
+              <a:t>Trata</a:t>
+            </a:r>
+            <a:r>
+              <a:rPr lang="en-US" sz="2000" dirty="0" smtClean="0"/>
+              <a:t> de </a:t>
+            </a:r>
+            <a:r>
+              <a:rPr lang="en-US" sz="2000" dirty="0" err="1" smtClean="0"/>
+              <a:t>mantener</a:t>
+            </a:r>
+            <a:r>
+              <a:rPr lang="en-US" sz="2000" dirty="0" smtClean="0"/>
+              <a:t> </a:t>
+            </a:r>
+            <a:r>
+              <a:rPr lang="en-US" sz="2000" dirty="0" err="1" smtClean="0"/>
+              <a:t>los</a:t>
+            </a:r>
+            <a:r>
+              <a:rPr lang="en-US" sz="2000" dirty="0" smtClean="0"/>
+              <a:t> </a:t>
+            </a:r>
+            <a:r>
+              <a:rPr lang="en-US" sz="2000" dirty="0" err="1" smtClean="0"/>
+              <a:t>valores</a:t>
+            </a:r>
+            <a:r>
+              <a:rPr lang="en-US" sz="2000" dirty="0" smtClean="0"/>
+              <a:t> de </a:t>
+            </a:r>
+            <a:r>
+              <a:rPr lang="en-US" sz="2000" dirty="0" err="1" smtClean="0"/>
+              <a:t>los</a:t>
+            </a:r>
+            <a:r>
+              <a:rPr lang="en-US" sz="2000" dirty="0" smtClean="0"/>
+              <a:t> pesos </a:t>
+            </a:r>
+            <a:r>
+              <a:rPr lang="en-US" sz="2000" dirty="0" err="1" smtClean="0"/>
+              <a:t>bajos</a:t>
+            </a:r>
+            <a:r>
+              <a:rPr lang="en-US" sz="2000" dirty="0" smtClean="0"/>
+              <a:t> (</a:t>
+            </a:r>
+            <a:r>
+              <a:rPr lang="en-US" sz="2000" dirty="0" err="1" smtClean="0"/>
+              <a:t>por</a:t>
+            </a:r>
+            <a:r>
+              <a:rPr lang="en-US" sz="2000" dirty="0" smtClean="0"/>
+              <a:t> que?).</a:t>
+            </a:r>
+          </a:p>
+          <a:p>
+            <a:endParaRPr lang="en-US" sz="2000" dirty="0"/>
+          </a:p>
+          <a:p>
+            <a:endParaRPr lang="en-US" sz="2000" dirty="0" smtClean="0"/>
+          </a:p>
+          <a:p>
+            <a:endParaRPr lang="en-US" sz="2000" dirty="0"/>
+          </a:p>
+          <a:p>
+            <a:endParaRPr lang="en-US" sz="2000" dirty="0" smtClean="0"/>
+          </a:p>
+          <a:p>
+            <a:endParaRPr lang="en-US" sz="2000" dirty="0"/>
+          </a:p>
+          <a:p>
+            <a:r>
+              <a:rPr lang="en-US" sz="2000" dirty="0" err="1" smtClean="0"/>
+              <a:t>Esto</a:t>
+            </a:r>
+            <a:r>
+              <a:rPr lang="en-US" sz="2000" dirty="0" smtClean="0"/>
+              <a:t> se </a:t>
+            </a:r>
+            <a:r>
+              <a:rPr lang="en-US" sz="2000" dirty="0" err="1" smtClean="0"/>
+              <a:t>denomina</a:t>
+            </a:r>
+            <a:r>
+              <a:rPr lang="en-US" sz="2000" dirty="0" smtClean="0"/>
+              <a:t> Ridge Regression</a:t>
+            </a:r>
+            <a:endParaRPr lang="en-US" sz="2000" dirty="0"/>
+          </a:p>
+        </p:txBody>
+      </p:sp>
+      <p:pic>
+        <p:nvPicPr>
+          <p:cNvPr id="4" name="Picture 3"/>
+          <p:cNvPicPr>
+            <a:picLocks noChangeAspect="1"/>
+          </p:cNvPicPr>
+          <p:nvPr/>
+        </p:nvPicPr>
+        <p:blipFill>
+          <a:blip r:embed="rId2"/>
+          <a:stretch>
+            <a:fillRect/>
+          </a:stretch>
+        </p:blipFill>
+        <p:spPr>
+          <a:xfrm>
+            <a:off x="2292792" y="2143302"/>
+            <a:ext cx="4840726" cy="764528"/>
+          </a:xfrm>
+          <a:prstGeom prst="rect">
+            <a:avLst/>
+          </a:prstGeom>
+        </p:spPr>
+      </p:pic>
+      <p:pic>
+        <p:nvPicPr>
+          <p:cNvPr id="5" name="Picture 4"/>
+          <p:cNvPicPr>
+            <a:picLocks noChangeAspect="1"/>
+          </p:cNvPicPr>
+          <p:nvPr/>
+        </p:nvPicPr>
+        <p:blipFill>
+          <a:blip r:embed="rId3"/>
+          <a:stretch>
+            <a:fillRect/>
+          </a:stretch>
+        </p:blipFill>
+        <p:spPr>
+          <a:xfrm>
+            <a:off x="2291139" y="3056921"/>
+            <a:ext cx="4859389" cy="762633"/>
+          </a:xfrm>
+          <a:prstGeom prst="rect">
+            <a:avLst/>
+          </a:prstGeom>
+        </p:spPr>
+      </p:pic>
+    </p:spTree>
+    <p:extLst>
+      <p:ext uri="{BB962C8B-B14F-4D97-AF65-F5344CB8AC3E}">
+        <p14:creationId xmlns:p14="http://schemas.microsoft.com/office/powerpoint/2010/main" val="3572694475"/>
+      </p:ext>
+    </p:extLst>
+  </p:cSld>
+  <p:clrMapOvr>
+    <a:masterClrMapping/>
+  </p:clrMapOvr>
+  <p:transition>
+    <p:fade thruBlk="1"/>
+  </p:transition>
 </p:sld>
 </file>
 
@@ -7379,6 +9304,693 @@
     <p:extLst>
       <p:ext uri="{BB962C8B-B14F-4D97-AF65-F5344CB8AC3E}">
         <p14:creationId xmlns:p14="http://schemas.microsoft.com/office/powerpoint/2010/main" val="2229954600"/>
+      </p:ext>
+    </p:extLst>
+  </p:cSld>
+  <p:clrMapOvr>
+    <a:masterClrMapping/>
+  </p:clrMapOvr>
+</p:sld>
+</file>
+
+<file path=ppt/slides/slide30.xml><?xml version="1.0" encoding="utf-8"?>
+<p:sld xmlns:a="http://schemas.openxmlformats.org/drawingml/2006/main" xmlns:r="http://schemas.openxmlformats.org/officeDocument/2006/relationships" xmlns:p="http://schemas.openxmlformats.org/presentationml/2006/main">
+  <p:cSld>
+    <p:spTree>
+      <p:nvGrpSpPr>
+        <p:cNvPr id="1" name=""/>
+        <p:cNvGrpSpPr/>
+        <p:nvPr/>
+      </p:nvGrpSpPr>
+      <p:grpSpPr>
+        <a:xfrm>
+          <a:off x="0" y="0"/>
+          <a:ext cx="0" cy="0"/>
+          <a:chOff x="0" y="0"/>
+          <a:chExt cx="0" cy="0"/>
+        </a:xfrm>
+      </p:grpSpPr>
+      <p:sp>
+        <p:nvSpPr>
+          <p:cNvPr id="2" name="Título 1"/>
+          <p:cNvSpPr>
+            <a:spLocks noGrp="1"/>
+          </p:cNvSpPr>
+          <p:nvPr>
+            <p:ph type="title"/>
+          </p:nvPr>
+        </p:nvSpPr>
+        <p:spPr/>
+        <p:txBody>
+          <a:bodyPr/>
+          <a:lstStyle/>
+          <a:p>
+            <a:r>
+              <a:rPr lang="es-MX" dirty="0" err="1" smtClean="0"/>
+              <a:t>Gradient</a:t>
+            </a:r>
+            <a:r>
+              <a:rPr lang="es-MX" dirty="0" smtClean="0"/>
+              <a:t> </a:t>
+            </a:r>
+            <a:r>
+              <a:rPr lang="es-MX" dirty="0" err="1" smtClean="0"/>
+              <a:t>Descent</a:t>
+            </a:r>
+            <a:endParaRPr lang="es-MX" dirty="0"/>
+          </a:p>
+        </p:txBody>
+      </p:sp>
+      <p:sp>
+        <p:nvSpPr>
+          <p:cNvPr id="3" name="Marcador de texto 2"/>
+          <p:cNvSpPr>
+            <a:spLocks noGrp="1"/>
+          </p:cNvSpPr>
+          <p:nvPr>
+            <p:ph type="body" idx="1"/>
+          </p:nvPr>
+        </p:nvSpPr>
+        <p:spPr/>
+        <p:txBody>
+          <a:bodyPr/>
+          <a:lstStyle/>
+          <a:p>
+            <a:r>
+              <a:rPr lang="es-MX" dirty="0" smtClean="0"/>
+              <a:t>Normal:</a:t>
+            </a:r>
+          </a:p>
+          <a:p>
+            <a:endParaRPr lang="es-MX" dirty="0"/>
+          </a:p>
+          <a:p>
+            <a:r>
+              <a:rPr lang="es-MX" dirty="0" smtClean="0"/>
+              <a:t>Repetir hasta converger:</a:t>
+            </a:r>
+          </a:p>
+          <a:p>
+            <a:endParaRPr lang="es-MX" dirty="0" smtClean="0"/>
+          </a:p>
+          <a:p>
+            <a:pPr lvl="1"/>
+            <a:endParaRPr lang="es-MX" dirty="0" smtClean="0"/>
+          </a:p>
+          <a:p>
+            <a:pPr lvl="1"/>
+            <a:r>
+              <a:rPr lang="es-MX" dirty="0" smtClean="0"/>
+              <a:t>Para cada j</a:t>
+            </a:r>
+            <a:endParaRPr lang="es-MX" dirty="0"/>
+          </a:p>
+        </p:txBody>
+      </p:sp>
+      <p:sp>
+        <p:nvSpPr>
+          <p:cNvPr id="4" name="Marcador de número de diapositiva 3"/>
+          <p:cNvSpPr>
+            <a:spLocks noGrp="1"/>
+          </p:cNvSpPr>
+          <p:nvPr>
+            <p:ph type="sldNum" idx="12"/>
+          </p:nvPr>
+        </p:nvSpPr>
+        <p:spPr/>
+        <p:txBody>
+          <a:bodyPr/>
+          <a:lstStyle/>
+          <a:p>
+            <a:pPr marL="0" lvl="0" indent="0">
+              <a:spcBef>
+                <a:spcPts val="0"/>
+              </a:spcBef>
+              <a:spcAft>
+                <a:spcPts val="0"/>
+              </a:spcAft>
+              <a:buNone/>
+            </a:pPr>
+            <a:fld id="{00000000-1234-1234-1234-123412341234}" type="slidenum">
+              <a:rPr lang="es-MX" smtClean="0"/>
+              <a:t>30</a:t>
+            </a:fld>
+            <a:endParaRPr lang="es-MX"/>
+          </a:p>
+        </p:txBody>
+      </p:sp>
+      <p:pic>
+        <p:nvPicPr>
+          <p:cNvPr id="5" name="Imagen 4"/>
+          <p:cNvPicPr>
+            <a:picLocks noChangeAspect="1"/>
+          </p:cNvPicPr>
+          <p:nvPr/>
+        </p:nvPicPr>
+        <p:blipFill>
+          <a:blip r:embed="rId2"/>
+          <a:stretch>
+            <a:fillRect/>
+          </a:stretch>
+        </p:blipFill>
+        <p:spPr>
+          <a:xfrm>
+            <a:off x="2142499" y="3004699"/>
+            <a:ext cx="4711850" cy="714432"/>
+          </a:xfrm>
+          <a:prstGeom prst="rect">
+            <a:avLst/>
+          </a:prstGeom>
+        </p:spPr>
+      </p:pic>
+    </p:spTree>
+    <p:extLst>
+      <p:ext uri="{BB962C8B-B14F-4D97-AF65-F5344CB8AC3E}">
+        <p14:creationId xmlns:p14="http://schemas.microsoft.com/office/powerpoint/2010/main" val="3636560401"/>
+      </p:ext>
+    </p:extLst>
+  </p:cSld>
+  <p:clrMapOvr>
+    <a:masterClrMapping/>
+  </p:clrMapOvr>
+</p:sld>
+</file>
+
+<file path=ppt/slides/slide31.xml><?xml version="1.0" encoding="utf-8"?>
+<p:sld xmlns:a="http://schemas.openxmlformats.org/drawingml/2006/main" xmlns:r="http://schemas.openxmlformats.org/officeDocument/2006/relationships" xmlns:p="http://schemas.openxmlformats.org/presentationml/2006/main">
+  <p:cSld>
+    <p:spTree>
+      <p:nvGrpSpPr>
+        <p:cNvPr id="1" name=""/>
+        <p:cNvGrpSpPr/>
+        <p:nvPr/>
+      </p:nvGrpSpPr>
+      <p:grpSpPr>
+        <a:xfrm>
+          <a:off x="0" y="0"/>
+          <a:ext cx="0" cy="0"/>
+          <a:chOff x="0" y="0"/>
+          <a:chExt cx="0" cy="0"/>
+        </a:xfrm>
+      </p:grpSpPr>
+      <p:sp>
+        <p:nvSpPr>
+          <p:cNvPr id="2" name="Título 1"/>
+          <p:cNvSpPr>
+            <a:spLocks noGrp="1"/>
+          </p:cNvSpPr>
+          <p:nvPr>
+            <p:ph type="title"/>
+          </p:nvPr>
+        </p:nvSpPr>
+        <p:spPr/>
+        <p:txBody>
+          <a:bodyPr/>
+          <a:lstStyle/>
+          <a:p>
+            <a:r>
+              <a:rPr lang="es-MX" dirty="0" err="1" smtClean="0"/>
+              <a:t>Gradient</a:t>
+            </a:r>
+            <a:r>
+              <a:rPr lang="es-MX" dirty="0" smtClean="0"/>
+              <a:t> </a:t>
+            </a:r>
+            <a:r>
+              <a:rPr lang="es-MX" dirty="0" err="1" smtClean="0"/>
+              <a:t>Descent</a:t>
+            </a:r>
+            <a:endParaRPr lang="es-MX" dirty="0"/>
+          </a:p>
+        </p:txBody>
+      </p:sp>
+      <p:sp>
+        <p:nvSpPr>
+          <p:cNvPr id="3" name="Marcador de texto 2"/>
+          <p:cNvSpPr>
+            <a:spLocks noGrp="1"/>
+          </p:cNvSpPr>
+          <p:nvPr>
+            <p:ph type="body" idx="1"/>
+          </p:nvPr>
+        </p:nvSpPr>
+        <p:spPr/>
+        <p:txBody>
+          <a:bodyPr/>
+          <a:lstStyle/>
+          <a:p>
+            <a:r>
+              <a:rPr lang="es-MX" dirty="0" smtClean="0"/>
+              <a:t>Ciclo (para m datos):</a:t>
+            </a:r>
+          </a:p>
+          <a:p>
+            <a:endParaRPr lang="es-MX" dirty="0"/>
+          </a:p>
+          <a:p>
+            <a:r>
+              <a:rPr lang="es-MX" dirty="0" smtClean="0"/>
+              <a:t>Desde i hasta m, {</a:t>
+            </a:r>
+          </a:p>
+          <a:p>
+            <a:endParaRPr lang="es-MX" dirty="0" smtClean="0"/>
+          </a:p>
+          <a:p>
+            <a:pPr lvl="1"/>
+            <a:endParaRPr lang="es-MX" dirty="0" smtClean="0"/>
+          </a:p>
+          <a:p>
+            <a:pPr lvl="1"/>
+            <a:r>
+              <a:rPr lang="es-MX" dirty="0" smtClean="0"/>
+              <a:t>Para cada j</a:t>
+            </a:r>
+          </a:p>
+          <a:p>
+            <a:r>
+              <a:rPr lang="es-MX" dirty="0"/>
+              <a:t>}</a:t>
+            </a:r>
+          </a:p>
+        </p:txBody>
+      </p:sp>
+      <p:sp>
+        <p:nvSpPr>
+          <p:cNvPr id="4" name="Marcador de número de diapositiva 3"/>
+          <p:cNvSpPr>
+            <a:spLocks noGrp="1"/>
+          </p:cNvSpPr>
+          <p:nvPr>
+            <p:ph type="sldNum" idx="12"/>
+          </p:nvPr>
+        </p:nvSpPr>
+        <p:spPr/>
+        <p:txBody>
+          <a:bodyPr/>
+          <a:lstStyle/>
+          <a:p>
+            <a:pPr marL="0" lvl="0" indent="0">
+              <a:spcBef>
+                <a:spcPts val="0"/>
+              </a:spcBef>
+              <a:spcAft>
+                <a:spcPts val="0"/>
+              </a:spcAft>
+              <a:buNone/>
+            </a:pPr>
+            <a:fld id="{00000000-1234-1234-1234-123412341234}" type="slidenum">
+              <a:rPr lang="es-MX" smtClean="0"/>
+              <a:t>31</a:t>
+            </a:fld>
+            <a:endParaRPr lang="es-MX"/>
+          </a:p>
+        </p:txBody>
+      </p:sp>
+      <p:pic>
+        <p:nvPicPr>
+          <p:cNvPr id="5" name="Imagen 4"/>
+          <p:cNvPicPr>
+            <a:picLocks noChangeAspect="1"/>
+          </p:cNvPicPr>
+          <p:nvPr/>
+        </p:nvPicPr>
+        <p:blipFill>
+          <a:blip r:embed="rId2"/>
+          <a:stretch>
+            <a:fillRect/>
+          </a:stretch>
+        </p:blipFill>
+        <p:spPr>
+          <a:xfrm>
+            <a:off x="2109842" y="2756505"/>
+            <a:ext cx="4711850" cy="714432"/>
+          </a:xfrm>
+          <a:prstGeom prst="rect">
+            <a:avLst/>
+          </a:prstGeom>
+        </p:spPr>
+      </p:pic>
+    </p:spTree>
+    <p:extLst>
+      <p:ext uri="{BB962C8B-B14F-4D97-AF65-F5344CB8AC3E}">
+        <p14:creationId xmlns:p14="http://schemas.microsoft.com/office/powerpoint/2010/main" val="1098470695"/>
+      </p:ext>
+    </p:extLst>
+  </p:cSld>
+  <p:clrMapOvr>
+    <a:masterClrMapping/>
+  </p:clrMapOvr>
+</p:sld>
+</file>
+
+<file path=ppt/slides/slide32.xml><?xml version="1.0" encoding="utf-8"?>
+<p:sld xmlns:a="http://schemas.openxmlformats.org/drawingml/2006/main" xmlns:r="http://schemas.openxmlformats.org/officeDocument/2006/relationships" xmlns:p="http://schemas.openxmlformats.org/presentationml/2006/main">
+  <p:cSld>
+    <p:spTree>
+      <p:nvGrpSpPr>
+        <p:cNvPr id="1" name=""/>
+        <p:cNvGrpSpPr/>
+        <p:nvPr/>
+      </p:nvGrpSpPr>
+      <p:grpSpPr>
+        <a:xfrm>
+          <a:off x="0" y="0"/>
+          <a:ext cx="0" cy="0"/>
+          <a:chOff x="0" y="0"/>
+          <a:chExt cx="0" cy="0"/>
+        </a:xfrm>
+      </p:grpSpPr>
+      <p:sp>
+        <p:nvSpPr>
+          <p:cNvPr id="2" name="Título 1"/>
+          <p:cNvSpPr>
+            <a:spLocks noGrp="1"/>
+          </p:cNvSpPr>
+          <p:nvPr>
+            <p:ph type="title"/>
+          </p:nvPr>
+        </p:nvSpPr>
+        <p:spPr/>
+        <p:txBody>
+          <a:bodyPr/>
+          <a:lstStyle/>
+          <a:p>
+            <a:endParaRPr lang="es-MX" dirty="0"/>
+          </a:p>
+        </p:txBody>
+      </p:sp>
+      <p:sp>
+        <p:nvSpPr>
+          <p:cNvPr id="4" name="Marcador de número de diapositiva 3"/>
+          <p:cNvSpPr>
+            <a:spLocks noGrp="1"/>
+          </p:cNvSpPr>
+          <p:nvPr>
+            <p:ph type="sldNum" idx="12"/>
+          </p:nvPr>
+        </p:nvSpPr>
+        <p:spPr/>
+        <p:txBody>
+          <a:bodyPr/>
+          <a:lstStyle/>
+          <a:p>
+            <a:pPr marL="0" lvl="0" indent="0">
+              <a:spcBef>
+                <a:spcPts val="0"/>
+              </a:spcBef>
+              <a:spcAft>
+                <a:spcPts val="0"/>
+              </a:spcAft>
+              <a:buNone/>
+            </a:pPr>
+            <a:fld id="{00000000-1234-1234-1234-123412341234}" type="slidenum">
+              <a:rPr lang="es-MX" smtClean="0"/>
+              <a:t>32</a:t>
+            </a:fld>
+            <a:endParaRPr lang="es-MX"/>
+          </a:p>
+        </p:txBody>
+      </p:sp>
+      <p:pic>
+        <p:nvPicPr>
+          <p:cNvPr id="1026" name="Picture 2" descr="Image result for stochastic gradient descent and gradient descent"/>
+          <p:cNvPicPr>
+            <a:picLocks noChangeAspect="1" noChangeArrowheads="1"/>
+          </p:cNvPicPr>
+          <p:nvPr/>
+        </p:nvPicPr>
+        <p:blipFill>
+          <a:blip r:embed="rId2">
+            <a:extLst>
+              <a:ext uri="{28A0092B-C50C-407E-A947-70E740481C1C}">
+                <a14:useLocalDpi xmlns:a14="http://schemas.microsoft.com/office/drawing/2010/main" val="0"/>
+              </a:ext>
+            </a:extLst>
+          </a:blip>
+          <a:srcRect/>
+          <a:stretch>
+            <a:fillRect/>
+          </a:stretch>
+        </p:blipFill>
+        <p:spPr bwMode="auto">
+          <a:xfrm>
+            <a:off x="1040697" y="2100135"/>
+            <a:ext cx="6577303" cy="2045721"/>
+          </a:xfrm>
+          <a:prstGeom prst="rect">
+            <a:avLst/>
+          </a:prstGeom>
+          <a:noFill/>
+          <a:extLst>
+            <a:ext uri="{909E8E84-426E-40DD-AFC4-6F175D3DCCD1}">
+              <a14:hiddenFill xmlns:a14="http://schemas.microsoft.com/office/drawing/2010/main">
+                <a:solidFill>
+                  <a:srgbClr val="FFFFFF"/>
+                </a:solidFill>
+              </a14:hiddenFill>
+            </a:ext>
+          </a:extLst>
+        </p:spPr>
+      </p:pic>
+    </p:spTree>
+    <p:extLst>
+      <p:ext uri="{BB962C8B-B14F-4D97-AF65-F5344CB8AC3E}">
+        <p14:creationId xmlns:p14="http://schemas.microsoft.com/office/powerpoint/2010/main" val="3762491902"/>
+      </p:ext>
+    </p:extLst>
+  </p:cSld>
+  <p:clrMapOvr>
+    <a:masterClrMapping/>
+  </p:clrMapOvr>
+</p:sld>
+</file>
+
+<file path=ppt/slides/slide33.xml><?xml version="1.0" encoding="utf-8"?>
+<p:sld xmlns:a="http://schemas.openxmlformats.org/drawingml/2006/main" xmlns:r="http://schemas.openxmlformats.org/officeDocument/2006/relationships" xmlns:p="http://schemas.openxmlformats.org/presentationml/2006/main">
+  <p:cSld>
+    <p:spTree>
+      <p:nvGrpSpPr>
+        <p:cNvPr id="1" name=""/>
+        <p:cNvGrpSpPr/>
+        <p:nvPr/>
+      </p:nvGrpSpPr>
+      <p:grpSpPr>
+        <a:xfrm>
+          <a:off x="0" y="0"/>
+          <a:ext cx="0" cy="0"/>
+          <a:chOff x="0" y="0"/>
+          <a:chExt cx="0" cy="0"/>
+        </a:xfrm>
+      </p:grpSpPr>
+      <p:sp>
+        <p:nvSpPr>
+          <p:cNvPr id="2" name="Título 1"/>
+          <p:cNvSpPr>
+            <a:spLocks noGrp="1"/>
+          </p:cNvSpPr>
+          <p:nvPr>
+            <p:ph type="title"/>
+          </p:nvPr>
+        </p:nvSpPr>
+        <p:spPr/>
+        <p:txBody>
+          <a:bodyPr/>
+          <a:lstStyle/>
+          <a:p>
+            <a:r>
+              <a:rPr lang="es-MX" dirty="0" err="1" smtClean="0"/>
+              <a:t>Momentum</a:t>
+            </a:r>
+            <a:endParaRPr lang="es-MX" dirty="0"/>
+          </a:p>
+        </p:txBody>
+      </p:sp>
+      <p:sp>
+        <p:nvSpPr>
+          <p:cNvPr id="4" name="Marcador de número de diapositiva 3"/>
+          <p:cNvSpPr>
+            <a:spLocks noGrp="1"/>
+          </p:cNvSpPr>
+          <p:nvPr>
+            <p:ph type="sldNum" idx="12"/>
+          </p:nvPr>
+        </p:nvSpPr>
+        <p:spPr/>
+        <p:txBody>
+          <a:bodyPr/>
+          <a:lstStyle/>
+          <a:p>
+            <a:pPr marL="0" lvl="0" indent="0">
+              <a:spcBef>
+                <a:spcPts val="0"/>
+              </a:spcBef>
+              <a:spcAft>
+                <a:spcPts val="0"/>
+              </a:spcAft>
+              <a:buNone/>
+            </a:pPr>
+            <a:fld id="{00000000-1234-1234-1234-123412341234}" type="slidenum">
+              <a:rPr lang="es-MX" smtClean="0"/>
+              <a:t>33</a:t>
+            </a:fld>
+            <a:endParaRPr lang="es-MX"/>
+          </a:p>
+        </p:txBody>
+      </p:sp>
+      <p:pic>
+        <p:nvPicPr>
+          <p:cNvPr id="5" name="Imagen 4"/>
+          <p:cNvPicPr>
+            <a:picLocks noChangeAspect="1"/>
+          </p:cNvPicPr>
+          <p:nvPr/>
+        </p:nvPicPr>
+        <p:blipFill rotWithShape="1">
+          <a:blip r:embed="rId2"/>
+          <a:srcRect b="22373"/>
+          <a:stretch/>
+        </p:blipFill>
+        <p:spPr>
+          <a:xfrm>
+            <a:off x="1541417" y="2074065"/>
+            <a:ext cx="5787525" cy="1583535"/>
+          </a:xfrm>
+          <a:prstGeom prst="rect">
+            <a:avLst/>
+          </a:prstGeom>
+        </p:spPr>
+      </p:pic>
+    </p:spTree>
+    <p:extLst>
+      <p:ext uri="{BB962C8B-B14F-4D97-AF65-F5344CB8AC3E}">
+        <p14:creationId xmlns:p14="http://schemas.microsoft.com/office/powerpoint/2010/main" val="860567510"/>
+      </p:ext>
+    </p:extLst>
+  </p:cSld>
+  <p:clrMapOvr>
+    <a:masterClrMapping/>
+  </p:clrMapOvr>
+</p:sld>
+</file>
+
+<file path=ppt/slides/slide34.xml><?xml version="1.0" encoding="utf-8"?>
+<p:sld xmlns:a="http://schemas.openxmlformats.org/drawingml/2006/main" xmlns:r="http://schemas.openxmlformats.org/officeDocument/2006/relationships" xmlns:p="http://schemas.openxmlformats.org/presentationml/2006/main">
+  <p:cSld>
+    <p:spTree>
+      <p:nvGrpSpPr>
+        <p:cNvPr id="1" name=""/>
+        <p:cNvGrpSpPr/>
+        <p:nvPr/>
+      </p:nvGrpSpPr>
+      <p:grpSpPr>
+        <a:xfrm>
+          <a:off x="0" y="0"/>
+          <a:ext cx="0" cy="0"/>
+          <a:chOff x="0" y="0"/>
+          <a:chExt cx="0" cy="0"/>
+        </a:xfrm>
+      </p:grpSpPr>
+      <p:sp>
+        <p:nvSpPr>
+          <p:cNvPr id="2" name="Título 1"/>
+          <p:cNvSpPr>
+            <a:spLocks noGrp="1"/>
+          </p:cNvSpPr>
+          <p:nvPr>
+            <p:ph type="title"/>
+          </p:nvPr>
+        </p:nvSpPr>
+        <p:spPr/>
+        <p:txBody>
+          <a:bodyPr/>
+          <a:lstStyle/>
+          <a:p>
+            <a:r>
+              <a:rPr lang="es-MX" dirty="0" err="1" smtClean="0"/>
+              <a:t>Momentum</a:t>
+            </a:r>
+            <a:endParaRPr lang="es-MX" dirty="0"/>
+          </a:p>
+        </p:txBody>
+      </p:sp>
+      <p:sp>
+        <p:nvSpPr>
+          <p:cNvPr id="4" name="Marcador de número de diapositiva 3"/>
+          <p:cNvSpPr>
+            <a:spLocks noGrp="1"/>
+          </p:cNvSpPr>
+          <p:nvPr>
+            <p:ph type="sldNum" idx="12"/>
+          </p:nvPr>
+        </p:nvSpPr>
+        <p:spPr/>
+        <p:txBody>
+          <a:bodyPr/>
+          <a:lstStyle/>
+          <a:p>
+            <a:pPr marL="0" lvl="0" indent="0">
+              <a:spcBef>
+                <a:spcPts val="0"/>
+              </a:spcBef>
+              <a:spcAft>
+                <a:spcPts val="0"/>
+              </a:spcAft>
+              <a:buNone/>
+            </a:pPr>
+            <a:fld id="{00000000-1234-1234-1234-123412341234}" type="slidenum">
+              <a:rPr lang="es-MX" smtClean="0"/>
+              <a:t>34</a:t>
+            </a:fld>
+            <a:endParaRPr lang="es-MX"/>
+          </a:p>
+        </p:txBody>
+      </p:sp>
+      <p:pic>
+        <p:nvPicPr>
+          <p:cNvPr id="2052" name="Picture 4" descr="https://latex.codecogs.com/gif.latex?%5Cdpi%7B300%7D%20%5Chuge%20v_t%20%26%3D%20%5Cgamma%20v_%7Bt-1%7D%20&amp;plus;%20%5Ceta%20%5Cnabla_%5Ctheta%20J%28%20%5Ctheta%29%20%5C%5C%20%5Ctheta%20%26%3D%20%5Ctheta%20-%20v_t"/>
+          <p:cNvPicPr>
+            <a:picLocks noChangeAspect="1" noChangeArrowheads="1"/>
+          </p:cNvPicPr>
+          <p:nvPr/>
+        </p:nvPicPr>
+        <p:blipFill>
+          <a:blip r:embed="rId2">
+            <a:extLst>
+              <a:ext uri="{28A0092B-C50C-407E-A947-70E740481C1C}">
+                <a14:useLocalDpi xmlns:a14="http://schemas.microsoft.com/office/drawing/2010/main" val="0"/>
+              </a:ext>
+            </a:extLst>
+          </a:blip>
+          <a:srcRect/>
+          <a:stretch>
+            <a:fillRect/>
+          </a:stretch>
+        </p:blipFill>
+        <p:spPr bwMode="auto">
+          <a:xfrm>
+            <a:off x="2292531" y="2243761"/>
+            <a:ext cx="3851276" cy="837234"/>
+          </a:xfrm>
+          <a:prstGeom prst="rect">
+            <a:avLst/>
+          </a:prstGeom>
+          <a:noFill/>
+          <a:extLst>
+            <a:ext uri="{909E8E84-426E-40DD-AFC4-6F175D3DCCD1}">
+              <a14:hiddenFill xmlns:a14="http://schemas.microsoft.com/office/drawing/2010/main">
+                <a:solidFill>
+                  <a:srgbClr val="FFFFFF"/>
+                </a:solidFill>
+              </a14:hiddenFill>
+            </a:ext>
+          </a:extLst>
+        </p:spPr>
+      </p:pic>
+    </p:spTree>
+    <p:extLst>
+      <p:ext uri="{BB962C8B-B14F-4D97-AF65-F5344CB8AC3E}">
+        <p14:creationId xmlns:p14="http://schemas.microsoft.com/office/powerpoint/2010/main" val="3905683100"/>
       </p:ext>
     </p:extLst>
   </p:cSld>
@@ -8048,7 +10660,7 @@
           <a:noFill/>
           <a:extLst>
             <a:ext uri="{909E8E84-426E-40dd-AFC4-6F175D3DCCD1}">
-              <a14:hiddenFill xmlns="" xmlns:a14="http://schemas.microsoft.com/office/drawing/2010/main">
+              <a14:hiddenFill xmlns:a14="http://schemas.microsoft.com/office/drawing/2010/main" xmlns="">
                 <a:solidFill>
                   <a:srgbClr val="FFFFFF"/>
                 </a:solidFill>
@@ -8089,7 +10701,7 @@
           <a:noFill/>
           <a:extLst>
             <a:ext uri="{909E8E84-426E-40dd-AFC4-6F175D3DCCD1}">
-              <a14:hiddenFill xmlns="" xmlns:a14="http://schemas.microsoft.com/office/drawing/2010/main">
+              <a14:hiddenFill xmlns:a14="http://schemas.microsoft.com/office/drawing/2010/main" xmlns="">
                 <a:solidFill>
                   <a:srgbClr val="FFFFFF"/>
                 </a:solidFill>
